--- a/images/Architecture.pptx
+++ b/images/Architecture.pptx
@@ -6,6 +6,8 @@
   </p:sldMasterIdLst>
   <p:sldIdLst>
     <p:sldId id="256" r:id="rId2"/>
+    <p:sldId id="257" r:id="rId3"/>
+    <p:sldId id="258" r:id="rId4"/>
   </p:sldIdLst>
   <p:sldSz cx="12192000" cy="6858000"/>
   <p:notesSz cx="6858000" cy="9144000"/>
@@ -104,6 +106,11 @@
       </a:defRPr>
     </a:lvl9pPr>
   </p:defaultTextStyle>
+  <p:extLst>
+    <p:ext uri="{EFAFB233-063F-42B5-8137-9DF3F51BA10A}">
+      <p15:sldGuideLst xmlns:p15="http://schemas.microsoft.com/office/powerpoint/2012/main"/>
+    </p:ext>
+  </p:extLst>
 </p:presentation>
 </file>
 
@@ -256,7 +263,7 @@
           <a:p>
             <a:fld id="{54A0C519-B9EE-485E-B4C1-CA68744F1652}" type="datetimeFigureOut">
               <a:rPr lang="en-CA" smtClean="0"/>
-              <a:t>2021-12-13</a:t>
+              <a:t>2021-12-20</a:t>
             </a:fld>
             <a:endParaRPr lang="en-CA"/>
           </a:p>
@@ -456,7 +463,7 @@
           <a:p>
             <a:fld id="{54A0C519-B9EE-485E-B4C1-CA68744F1652}" type="datetimeFigureOut">
               <a:rPr lang="en-CA" smtClean="0"/>
-              <a:t>2021-12-13</a:t>
+              <a:t>2021-12-20</a:t>
             </a:fld>
             <a:endParaRPr lang="en-CA"/>
           </a:p>
@@ -666,7 +673,7 @@
           <a:p>
             <a:fld id="{54A0C519-B9EE-485E-B4C1-CA68744F1652}" type="datetimeFigureOut">
               <a:rPr lang="en-CA" smtClean="0"/>
-              <a:t>2021-12-13</a:t>
+              <a:t>2021-12-20</a:t>
             </a:fld>
             <a:endParaRPr lang="en-CA"/>
           </a:p>
@@ -866,7 +873,7 @@
           <a:p>
             <a:fld id="{54A0C519-B9EE-485E-B4C1-CA68744F1652}" type="datetimeFigureOut">
               <a:rPr lang="en-CA" smtClean="0"/>
-              <a:t>2021-12-13</a:t>
+              <a:t>2021-12-20</a:t>
             </a:fld>
             <a:endParaRPr lang="en-CA"/>
           </a:p>
@@ -1142,7 +1149,7 @@
           <a:p>
             <a:fld id="{54A0C519-B9EE-485E-B4C1-CA68744F1652}" type="datetimeFigureOut">
               <a:rPr lang="en-CA" smtClean="0"/>
-              <a:t>2021-12-13</a:t>
+              <a:t>2021-12-20</a:t>
             </a:fld>
             <a:endParaRPr lang="en-CA"/>
           </a:p>
@@ -1410,7 +1417,7 @@
           <a:p>
             <a:fld id="{54A0C519-B9EE-485E-B4C1-CA68744F1652}" type="datetimeFigureOut">
               <a:rPr lang="en-CA" smtClean="0"/>
-              <a:t>2021-12-13</a:t>
+              <a:t>2021-12-20</a:t>
             </a:fld>
             <a:endParaRPr lang="en-CA"/>
           </a:p>
@@ -1825,7 +1832,7 @@
           <a:p>
             <a:fld id="{54A0C519-B9EE-485E-B4C1-CA68744F1652}" type="datetimeFigureOut">
               <a:rPr lang="en-CA" smtClean="0"/>
-              <a:t>2021-12-13</a:t>
+              <a:t>2021-12-20</a:t>
             </a:fld>
             <a:endParaRPr lang="en-CA"/>
           </a:p>
@@ -1967,7 +1974,7 @@
           <a:p>
             <a:fld id="{54A0C519-B9EE-485E-B4C1-CA68744F1652}" type="datetimeFigureOut">
               <a:rPr lang="en-CA" smtClean="0"/>
-              <a:t>2021-12-13</a:t>
+              <a:t>2021-12-20</a:t>
             </a:fld>
             <a:endParaRPr lang="en-CA"/>
           </a:p>
@@ -2080,7 +2087,7 @@
           <a:p>
             <a:fld id="{54A0C519-B9EE-485E-B4C1-CA68744F1652}" type="datetimeFigureOut">
               <a:rPr lang="en-CA" smtClean="0"/>
-              <a:t>2021-12-13</a:t>
+              <a:t>2021-12-20</a:t>
             </a:fld>
             <a:endParaRPr lang="en-CA"/>
           </a:p>
@@ -2393,7 +2400,7 @@
           <a:p>
             <a:fld id="{54A0C519-B9EE-485E-B4C1-CA68744F1652}" type="datetimeFigureOut">
               <a:rPr lang="en-CA" smtClean="0"/>
-              <a:t>2021-12-13</a:t>
+              <a:t>2021-12-20</a:t>
             </a:fld>
             <a:endParaRPr lang="en-CA"/>
           </a:p>
@@ -2682,7 +2689,7 @@
           <a:p>
             <a:fld id="{54A0C519-B9EE-485E-B4C1-CA68744F1652}" type="datetimeFigureOut">
               <a:rPr lang="en-CA" smtClean="0"/>
-              <a:t>2021-12-13</a:t>
+              <a:t>2021-12-20</a:t>
             </a:fld>
             <a:endParaRPr lang="en-CA"/>
           </a:p>
@@ -2925,7 +2932,7 @@
           <a:p>
             <a:fld id="{54A0C519-B9EE-485E-B4C1-CA68744F1652}" type="datetimeFigureOut">
               <a:rPr lang="en-CA" smtClean="0"/>
-              <a:t>2021-12-13</a:t>
+              <a:t>2021-12-20</a:t>
             </a:fld>
             <a:endParaRPr lang="en-CA"/>
           </a:p>
@@ -3906,23 +3913,7 @@
                   <a:schemeClr val="tx1"/>
                 </a:solidFill>
               </a:rPr>
-              <a:t>- Solace </a:t>
-            </a:r>
-            <a:r>
-              <a:rPr lang="en-CA" sz="1400" dirty="0" err="1">
-                <a:solidFill>
-                  <a:schemeClr val="tx1"/>
-                </a:solidFill>
-              </a:rPr>
-              <a:t>PubSub</a:t>
-            </a:r>
-            <a:r>
-              <a:rPr lang="en-CA" sz="1400" dirty="0">
-                <a:solidFill>
-                  <a:schemeClr val="tx1"/>
-                </a:solidFill>
-              </a:rPr>
-              <a:t>+ </a:t>
+              <a:t>- Solace PubSub+ </a:t>
             </a:r>
           </a:p>
           <a:p>
@@ -5203,6 +5194,3385 @@
     <p:extLst>
       <p:ext uri="{BB962C8B-B14F-4D97-AF65-F5344CB8AC3E}">
         <p14:creationId xmlns:p14="http://schemas.microsoft.com/office/powerpoint/2010/main" val="2380263077"/>
+      </p:ext>
+    </p:extLst>
+  </p:cSld>
+  <p:clrMapOvr>
+    <a:masterClrMapping/>
+  </p:clrMapOvr>
+</p:sld>
+</file>
+
+<file path=ppt/slides/slide2.xml><?xml version="1.0" encoding="utf-8"?>
+<p:sld xmlns:a="http://schemas.openxmlformats.org/drawingml/2006/main" xmlns:r="http://schemas.openxmlformats.org/officeDocument/2006/relationships" xmlns:p="http://schemas.openxmlformats.org/presentationml/2006/main">
+  <p:cSld>
+    <p:spTree>
+      <p:nvGrpSpPr>
+        <p:cNvPr id="1" name=""/>
+        <p:cNvGrpSpPr/>
+        <p:nvPr/>
+      </p:nvGrpSpPr>
+      <p:grpSpPr>
+        <a:xfrm>
+          <a:off x="0" y="0"/>
+          <a:ext cx="0" cy="0"/>
+          <a:chOff x="0" y="0"/>
+          <a:chExt cx="0" cy="0"/>
+        </a:xfrm>
+      </p:grpSpPr>
+      <p:pic>
+        <p:nvPicPr>
+          <p:cNvPr id="1034" name="Picture 10" descr="PubSub+ Cloud Standard Accounts">
+            <a:extLst>
+              <a:ext uri="{FF2B5EF4-FFF2-40B4-BE49-F238E27FC236}">
+                <a16:creationId xmlns:a16="http://schemas.microsoft.com/office/drawing/2014/main" id="{5A17D0E6-3027-47F0-B60D-8A57CE6FAC0B}"/>
+              </a:ext>
+            </a:extLst>
+          </p:cNvPr>
+          <p:cNvPicPr>
+            <a:picLocks noChangeAspect="1" noChangeArrowheads="1"/>
+          </p:cNvPicPr>
+          <p:nvPr/>
+        </p:nvPicPr>
+        <p:blipFill>
+          <a:blip r:embed="rId2">
+            <a:alphaModFix/>
+            <a:extLst>
+              <a:ext uri="{28A0092B-C50C-407E-A947-70E740481C1C}">
+                <a14:useLocalDpi xmlns:a14="http://schemas.microsoft.com/office/drawing/2010/main" val="0"/>
+              </a:ext>
+            </a:extLst>
+          </a:blip>
+          <a:srcRect/>
+          <a:stretch>
+            <a:fillRect/>
+          </a:stretch>
+        </p:blipFill>
+        <p:spPr bwMode="auto">
+          <a:xfrm>
+            <a:off x="7216051" y="2058178"/>
+            <a:ext cx="3141542" cy="3141542"/>
+          </a:xfrm>
+          <a:prstGeom prst="rect">
+            <a:avLst/>
+          </a:prstGeom>
+          <a:noFill/>
+          <a:extLst>
+            <a:ext uri="{909E8E84-426E-40DD-AFC4-6F175D3DCCD1}">
+              <a14:hiddenFill xmlns:a14="http://schemas.microsoft.com/office/drawing/2010/main">
+                <a:solidFill>
+                  <a:srgbClr val="FFFFFF"/>
+                </a:solidFill>
+              </a14:hiddenFill>
+            </a:ext>
+          </a:extLst>
+        </p:spPr>
+      </p:pic>
+      <p:pic>
+        <p:nvPicPr>
+          <p:cNvPr id="1026" name="Picture 2" descr="Global Locations - Regions &amp; Zones | Google Cloud">
+            <a:extLst>
+              <a:ext uri="{FF2B5EF4-FFF2-40B4-BE49-F238E27FC236}">
+                <a16:creationId xmlns:a16="http://schemas.microsoft.com/office/drawing/2014/main" id="{A1F10969-92FE-4B7F-A54C-2FD14AEBCA99}"/>
+              </a:ext>
+            </a:extLst>
+          </p:cNvPr>
+          <p:cNvPicPr>
+            <a:picLocks noChangeAspect="1" noChangeArrowheads="1"/>
+          </p:cNvPicPr>
+          <p:nvPr/>
+        </p:nvPicPr>
+        <p:blipFill rotWithShape="1">
+          <a:blip r:embed="rId3">
+            <a:extLst>
+              <a:ext uri="{28A0092B-C50C-407E-A947-70E740481C1C}">
+                <a14:useLocalDpi xmlns:a14="http://schemas.microsoft.com/office/drawing/2010/main" val="0"/>
+              </a:ext>
+            </a:extLst>
+          </a:blip>
+          <a:srcRect l="26541" t="16474" r="25815" b="16161"/>
+          <a:stretch/>
+        </p:blipFill>
+        <p:spPr bwMode="auto">
+          <a:xfrm>
+            <a:off x="1177809" y="600364"/>
+            <a:ext cx="6206838" cy="4614702"/>
+          </a:xfrm>
+          <a:prstGeom prst="rect">
+            <a:avLst/>
+          </a:prstGeom>
+          <a:noFill/>
+          <a:extLst>
+            <a:ext uri="{909E8E84-426E-40DD-AFC4-6F175D3DCCD1}">
+              <a14:hiddenFill xmlns:a14="http://schemas.microsoft.com/office/drawing/2010/main">
+                <a:solidFill>
+                  <a:srgbClr val="FFFFFF"/>
+                </a:solidFill>
+              </a14:hiddenFill>
+            </a:ext>
+          </a:extLst>
+        </p:spPr>
+      </p:pic>
+      <p:pic>
+        <p:nvPicPr>
+          <p:cNvPr id="1032" name="Picture 8" descr="google cloud run icon vector">
+            <a:extLst>
+              <a:ext uri="{FF2B5EF4-FFF2-40B4-BE49-F238E27FC236}">
+                <a16:creationId xmlns:a16="http://schemas.microsoft.com/office/drawing/2014/main" id="{6DA04D1D-1B5C-4B8F-AD81-4412EC2A871D}"/>
+              </a:ext>
+            </a:extLst>
+          </p:cNvPr>
+          <p:cNvPicPr>
+            <a:picLocks noChangeAspect="1" noChangeArrowheads="1"/>
+          </p:cNvPicPr>
+          <p:nvPr/>
+        </p:nvPicPr>
+        <p:blipFill>
+          <a:blip r:embed="rId4">
+            <a:alphaModFix amt="80000"/>
+            <a:extLst>
+              <a:ext uri="{28A0092B-C50C-407E-A947-70E740481C1C}">
+                <a14:useLocalDpi xmlns:a14="http://schemas.microsoft.com/office/drawing/2010/main" val="0"/>
+              </a:ext>
+            </a:extLst>
+          </a:blip>
+          <a:srcRect/>
+          <a:stretch>
+            <a:fillRect/>
+          </a:stretch>
+        </p:blipFill>
+        <p:spPr bwMode="auto">
+          <a:xfrm>
+            <a:off x="4531371" y="2719986"/>
+            <a:ext cx="1142883" cy="1142883"/>
+          </a:xfrm>
+          <a:prstGeom prst="rect">
+            <a:avLst/>
+          </a:prstGeom>
+          <a:noFill/>
+          <a:extLst>
+            <a:ext uri="{909E8E84-426E-40DD-AFC4-6F175D3DCCD1}">
+              <a14:hiddenFill xmlns:a14="http://schemas.microsoft.com/office/drawing/2010/main">
+                <a:solidFill>
+                  <a:srgbClr val="FFFFFF"/>
+                </a:solidFill>
+              </a14:hiddenFill>
+            </a:ext>
+          </a:extLst>
+        </p:spPr>
+      </p:pic>
+      <p:pic>
+        <p:nvPicPr>
+          <p:cNvPr id="5" name="Picture 4">
+            <a:extLst>
+              <a:ext uri="{FF2B5EF4-FFF2-40B4-BE49-F238E27FC236}">
+                <a16:creationId xmlns:a16="http://schemas.microsoft.com/office/drawing/2014/main" id="{9EB71641-2ECB-4C80-BBA6-D121FA8C129A}"/>
+              </a:ext>
+            </a:extLst>
+          </p:cNvPr>
+          <p:cNvPicPr>
+            <a:picLocks noChangeAspect="1"/>
+          </p:cNvPicPr>
+          <p:nvPr/>
+        </p:nvPicPr>
+        <p:blipFill>
+          <a:blip r:embed="rId5">
+            <a:alphaModFix amt="80000"/>
+          </a:blip>
+          <a:stretch>
+            <a:fillRect/>
+          </a:stretch>
+        </p:blipFill>
+        <p:spPr>
+          <a:xfrm>
+            <a:off x="2288749" y="2678089"/>
+            <a:ext cx="1285875" cy="1095375"/>
+          </a:xfrm>
+          <a:prstGeom prst="rect">
+            <a:avLst/>
+          </a:prstGeom>
+        </p:spPr>
+      </p:pic>
+      <p:pic>
+        <p:nvPicPr>
+          <p:cNvPr id="7" name="Picture 6">
+            <a:extLst>
+              <a:ext uri="{FF2B5EF4-FFF2-40B4-BE49-F238E27FC236}">
+                <a16:creationId xmlns:a16="http://schemas.microsoft.com/office/drawing/2014/main" id="{9FE7D3F8-C9CC-4F4D-BA7F-06DED48728A5}"/>
+              </a:ext>
+            </a:extLst>
+          </p:cNvPr>
+          <p:cNvPicPr>
+            <a:picLocks noChangeAspect="1"/>
+          </p:cNvPicPr>
+          <p:nvPr/>
+        </p:nvPicPr>
+        <p:blipFill>
+          <a:blip r:embed="rId6">
+            <a:alphaModFix amt="80000"/>
+          </a:blip>
+          <a:stretch>
+            <a:fillRect/>
+          </a:stretch>
+        </p:blipFill>
+        <p:spPr>
+          <a:xfrm>
+            <a:off x="3143622" y="1206298"/>
+            <a:ext cx="1280993" cy="1175046"/>
+          </a:xfrm>
+          <a:prstGeom prst="rect">
+            <a:avLst/>
+          </a:prstGeom>
+        </p:spPr>
+      </p:pic>
+      <p:sp>
+        <p:nvSpPr>
+          <p:cNvPr id="8" name="TextBox 7">
+            <a:extLst>
+              <a:ext uri="{FF2B5EF4-FFF2-40B4-BE49-F238E27FC236}">
+                <a16:creationId xmlns:a16="http://schemas.microsoft.com/office/drawing/2014/main" id="{C7A3BE63-494E-4A42-BEF8-DA94E1D742D1}"/>
+              </a:ext>
+            </a:extLst>
+          </p:cNvPr>
+          <p:cNvSpPr txBox="1"/>
+          <p:nvPr/>
+        </p:nvSpPr>
+        <p:spPr>
+          <a:xfrm>
+            <a:off x="3465065" y="4503562"/>
+            <a:ext cx="1446230" cy="369332"/>
+          </a:xfrm>
+          <a:prstGeom prst="rect">
+            <a:avLst/>
+          </a:prstGeom>
+          <a:noFill/>
+        </p:spPr>
+        <p:txBody>
+          <a:bodyPr wrap="none" rtlCol="0">
+            <a:spAutoFit/>
+          </a:bodyPr>
+          <a:lstStyle/>
+          <a:p>
+            <a:r>
+              <a:rPr lang="en-CA" dirty="0">
+                <a:solidFill>
+                  <a:schemeClr val="bg1"/>
+                </a:solidFill>
+              </a:rPr>
+              <a:t>Google</a:t>
+            </a:r>
+            <a:r>
+              <a:rPr lang="en-CA" dirty="0"/>
+              <a:t> </a:t>
+            </a:r>
+            <a:r>
+              <a:rPr lang="en-CA" dirty="0">
+                <a:solidFill>
+                  <a:schemeClr val="bg1"/>
+                </a:solidFill>
+              </a:rPr>
+              <a:t>Cloud</a:t>
+            </a:r>
+          </a:p>
+        </p:txBody>
+      </p:sp>
+      <p:sp>
+        <p:nvSpPr>
+          <p:cNvPr id="9" name="TextBox 8">
+            <a:extLst>
+              <a:ext uri="{FF2B5EF4-FFF2-40B4-BE49-F238E27FC236}">
+                <a16:creationId xmlns:a16="http://schemas.microsoft.com/office/drawing/2014/main" id="{966909A1-B3BB-4F2F-8BC6-82343BEFF03F}"/>
+              </a:ext>
+            </a:extLst>
+          </p:cNvPr>
+          <p:cNvSpPr txBox="1"/>
+          <p:nvPr/>
+        </p:nvSpPr>
+        <p:spPr>
+          <a:xfrm>
+            <a:off x="2382981" y="3681266"/>
+            <a:ext cx="1611339" cy="369332"/>
+          </a:xfrm>
+          <a:prstGeom prst="rect">
+            <a:avLst/>
+          </a:prstGeom>
+          <a:noFill/>
+        </p:spPr>
+        <p:txBody>
+          <a:bodyPr wrap="none" rtlCol="0">
+            <a:spAutoFit/>
+          </a:bodyPr>
+          <a:lstStyle/>
+          <a:p>
+            <a:r>
+              <a:rPr lang="en-CA" b="1" dirty="0"/>
+              <a:t>Cloud Pub/Sub</a:t>
+            </a:r>
+          </a:p>
+        </p:txBody>
+      </p:sp>
+      <p:sp>
+        <p:nvSpPr>
+          <p:cNvPr id="14" name="TextBox 13">
+            <a:extLst>
+              <a:ext uri="{FF2B5EF4-FFF2-40B4-BE49-F238E27FC236}">
+                <a16:creationId xmlns:a16="http://schemas.microsoft.com/office/drawing/2014/main" id="{49C831B5-61B3-4467-AEE6-7EEFFB4C9315}"/>
+              </a:ext>
+            </a:extLst>
+          </p:cNvPr>
+          <p:cNvSpPr txBox="1"/>
+          <p:nvPr/>
+        </p:nvSpPr>
+        <p:spPr>
+          <a:xfrm>
+            <a:off x="4685564" y="3780544"/>
+            <a:ext cx="1162498" cy="369332"/>
+          </a:xfrm>
+          <a:prstGeom prst="rect">
+            <a:avLst/>
+          </a:prstGeom>
+          <a:noFill/>
+        </p:spPr>
+        <p:txBody>
+          <a:bodyPr wrap="none" rtlCol="0">
+            <a:spAutoFit/>
+          </a:bodyPr>
+          <a:lstStyle/>
+          <a:p>
+            <a:r>
+              <a:rPr lang="en-CA" b="1" dirty="0"/>
+              <a:t>Cloud Run</a:t>
+            </a:r>
+          </a:p>
+        </p:txBody>
+      </p:sp>
+      <p:sp>
+        <p:nvSpPr>
+          <p:cNvPr id="15" name="TextBox 14">
+            <a:extLst>
+              <a:ext uri="{FF2B5EF4-FFF2-40B4-BE49-F238E27FC236}">
+                <a16:creationId xmlns:a16="http://schemas.microsoft.com/office/drawing/2014/main" id="{3C58EE36-A26B-49E0-8DF8-07944A6C24C6}"/>
+              </a:ext>
+            </a:extLst>
+          </p:cNvPr>
+          <p:cNvSpPr txBox="1"/>
+          <p:nvPr/>
+        </p:nvSpPr>
+        <p:spPr>
+          <a:xfrm>
+            <a:off x="4281228" y="1735013"/>
+            <a:ext cx="1041375" cy="646331"/>
+          </a:xfrm>
+          <a:prstGeom prst="rect">
+            <a:avLst/>
+          </a:prstGeom>
+          <a:noFill/>
+        </p:spPr>
+        <p:txBody>
+          <a:bodyPr wrap="none" rtlCol="0">
+            <a:spAutoFit/>
+          </a:bodyPr>
+          <a:lstStyle/>
+          <a:p>
+            <a:r>
+              <a:rPr lang="en-CA" b="1" dirty="0"/>
+              <a:t>Secret</a:t>
+            </a:r>
+          </a:p>
+          <a:p>
+            <a:r>
+              <a:rPr lang="en-CA" b="1" dirty="0"/>
+              <a:t>Manager</a:t>
+            </a:r>
+          </a:p>
+        </p:txBody>
+      </p:sp>
+      <p:cxnSp>
+        <p:nvCxnSpPr>
+          <p:cNvPr id="11" name="Straight Arrow Connector 10">
+            <a:extLst>
+              <a:ext uri="{FF2B5EF4-FFF2-40B4-BE49-F238E27FC236}">
+                <a16:creationId xmlns:a16="http://schemas.microsoft.com/office/drawing/2014/main" id="{2D2C0A96-9FDE-4358-AA46-8213F41EF288}"/>
+              </a:ext>
+            </a:extLst>
+          </p:cNvPr>
+          <p:cNvCxnSpPr>
+            <a:cxnSpLocks/>
+          </p:cNvCxnSpPr>
+          <p:nvPr/>
+        </p:nvCxnSpPr>
+        <p:spPr>
+          <a:xfrm>
+            <a:off x="4188180" y="2216727"/>
+            <a:ext cx="524050" cy="562948"/>
+          </a:xfrm>
+          <a:prstGeom prst="straightConnector1">
+            <a:avLst/>
+          </a:prstGeom>
+          <a:ln w="31750">
+            <a:tailEnd type="triangle"/>
+          </a:ln>
+        </p:spPr>
+        <p:style>
+          <a:lnRef idx="1">
+            <a:schemeClr val="accent1"/>
+          </a:lnRef>
+          <a:fillRef idx="0">
+            <a:schemeClr val="accent1"/>
+          </a:fillRef>
+          <a:effectRef idx="0">
+            <a:schemeClr val="accent1"/>
+          </a:effectRef>
+          <a:fontRef idx="minor">
+            <a:schemeClr val="tx1"/>
+          </a:fontRef>
+        </p:style>
+      </p:cxnSp>
+      <p:cxnSp>
+        <p:nvCxnSpPr>
+          <p:cNvPr id="21" name="Straight Arrow Connector 20">
+            <a:extLst>
+              <a:ext uri="{FF2B5EF4-FFF2-40B4-BE49-F238E27FC236}">
+                <a16:creationId xmlns:a16="http://schemas.microsoft.com/office/drawing/2014/main" id="{23827A5A-9FEB-4C57-85B6-A3BF7395ED9A}"/>
+              </a:ext>
+            </a:extLst>
+          </p:cNvPr>
+          <p:cNvCxnSpPr>
+            <a:cxnSpLocks/>
+          </p:cNvCxnSpPr>
+          <p:nvPr/>
+        </p:nvCxnSpPr>
+        <p:spPr>
+          <a:xfrm>
+            <a:off x="3618082" y="3213713"/>
+            <a:ext cx="867241" cy="0"/>
+          </a:xfrm>
+          <a:prstGeom prst="straightConnector1">
+            <a:avLst/>
+          </a:prstGeom>
+          <a:ln w="31750">
+            <a:tailEnd type="triangle"/>
+          </a:ln>
+        </p:spPr>
+        <p:style>
+          <a:lnRef idx="1">
+            <a:schemeClr val="accent1"/>
+          </a:lnRef>
+          <a:fillRef idx="0">
+            <a:schemeClr val="accent1"/>
+          </a:fillRef>
+          <a:effectRef idx="0">
+            <a:schemeClr val="accent1"/>
+          </a:effectRef>
+          <a:fontRef idx="minor">
+            <a:schemeClr val="tx1"/>
+          </a:fontRef>
+        </p:style>
+      </p:cxnSp>
+      <p:sp>
+        <p:nvSpPr>
+          <p:cNvPr id="20" name="Rectangle: Folded Corner 19">
+            <a:extLst>
+              <a:ext uri="{FF2B5EF4-FFF2-40B4-BE49-F238E27FC236}">
+                <a16:creationId xmlns:a16="http://schemas.microsoft.com/office/drawing/2014/main" id="{F890F1A4-35DB-464B-8138-5DE6A6836FC6}"/>
+              </a:ext>
+            </a:extLst>
+          </p:cNvPr>
+          <p:cNvSpPr/>
+          <p:nvPr/>
+        </p:nvSpPr>
+        <p:spPr>
+          <a:xfrm>
+            <a:off x="2182797" y="4008734"/>
+            <a:ext cx="1205172" cy="549111"/>
+          </a:xfrm>
+          <a:prstGeom prst="foldedCorner">
+            <a:avLst/>
+          </a:prstGeom>
+          <a:solidFill>
+            <a:schemeClr val="bg1"/>
+          </a:solidFill>
+        </p:spPr>
+        <p:style>
+          <a:lnRef idx="2">
+            <a:schemeClr val="accent1">
+              <a:shade val="50000"/>
+            </a:schemeClr>
+          </a:lnRef>
+          <a:fillRef idx="1">
+            <a:schemeClr val="accent1"/>
+          </a:fillRef>
+          <a:effectRef idx="0">
+            <a:schemeClr val="accent1"/>
+          </a:effectRef>
+          <a:fontRef idx="minor">
+            <a:schemeClr val="lt1"/>
+          </a:fontRef>
+        </p:style>
+        <p:txBody>
+          <a:bodyPr rtlCol="0" anchor="ctr"/>
+          <a:lstStyle/>
+          <a:p>
+            <a:r>
+              <a:rPr lang="en-CA" sz="1400" dirty="0">
+                <a:solidFill>
+                  <a:schemeClr val="tx1"/>
+                </a:solidFill>
+              </a:rPr>
+              <a:t>- Topic</a:t>
+            </a:r>
+          </a:p>
+          <a:p>
+            <a:r>
+              <a:rPr lang="en-CA" sz="1400" dirty="0">
+                <a:solidFill>
+                  <a:schemeClr val="tx1"/>
+                </a:solidFill>
+              </a:rPr>
+              <a:t>- Subscription</a:t>
+            </a:r>
+          </a:p>
+        </p:txBody>
+      </p:sp>
+      <p:sp>
+        <p:nvSpPr>
+          <p:cNvPr id="26" name="Rectangle: Folded Corner 25">
+            <a:extLst>
+              <a:ext uri="{FF2B5EF4-FFF2-40B4-BE49-F238E27FC236}">
+                <a16:creationId xmlns:a16="http://schemas.microsoft.com/office/drawing/2014/main" id="{820B80B0-BF2F-4277-9768-50C4FDB37DCA}"/>
+              </a:ext>
+            </a:extLst>
+          </p:cNvPr>
+          <p:cNvSpPr/>
+          <p:nvPr/>
+        </p:nvSpPr>
+        <p:spPr>
+          <a:xfrm>
+            <a:off x="4475955" y="683495"/>
+            <a:ext cx="2335628" cy="1074176"/>
+          </a:xfrm>
+          <a:prstGeom prst="foldedCorner">
+            <a:avLst/>
+          </a:prstGeom>
+          <a:solidFill>
+            <a:schemeClr val="bg1"/>
+          </a:solidFill>
+        </p:spPr>
+        <p:style>
+          <a:lnRef idx="2">
+            <a:schemeClr val="accent1">
+              <a:shade val="50000"/>
+            </a:schemeClr>
+          </a:lnRef>
+          <a:fillRef idx="1">
+            <a:schemeClr val="accent1"/>
+          </a:fillRef>
+          <a:effectRef idx="0">
+            <a:schemeClr val="accent1"/>
+          </a:effectRef>
+          <a:fontRef idx="minor">
+            <a:schemeClr val="lt1"/>
+          </a:fontRef>
+        </p:style>
+        <p:txBody>
+          <a:bodyPr rtlCol="0" anchor="ctr"/>
+          <a:lstStyle/>
+          <a:p>
+            <a:r>
+              <a:rPr lang="en-CA" sz="1400" dirty="0">
+                <a:solidFill>
+                  <a:schemeClr val="tx1"/>
+                </a:solidFill>
+              </a:rPr>
+              <a:t>- Solace PubSub+ </a:t>
+            </a:r>
+          </a:p>
+          <a:p>
+            <a:r>
+              <a:rPr lang="en-CA" sz="1400" dirty="0">
+                <a:solidFill>
+                  <a:schemeClr val="tx1"/>
+                </a:solidFill>
+              </a:rPr>
+              <a:t> REST Messaging service</a:t>
+            </a:r>
+          </a:p>
+          <a:p>
+            <a:r>
+              <a:rPr lang="en-CA" sz="1400" dirty="0">
+                <a:solidFill>
+                  <a:schemeClr val="tx1"/>
+                </a:solidFill>
+              </a:rPr>
+              <a:t> connection details</a:t>
+            </a:r>
+          </a:p>
+          <a:p>
+            <a:r>
+              <a:rPr lang="en-CA" sz="1400" dirty="0">
+                <a:solidFill>
+                  <a:schemeClr val="tx1"/>
+                </a:solidFill>
+              </a:rPr>
+              <a:t> as secret</a:t>
+            </a:r>
+          </a:p>
+        </p:txBody>
+      </p:sp>
+      <p:sp>
+        <p:nvSpPr>
+          <p:cNvPr id="27" name="Rectangle: Folded Corner 26">
+            <a:extLst>
+              <a:ext uri="{FF2B5EF4-FFF2-40B4-BE49-F238E27FC236}">
+                <a16:creationId xmlns:a16="http://schemas.microsoft.com/office/drawing/2014/main" id="{09F9D97F-A783-463B-927F-E3EA5BD2C1DE}"/>
+              </a:ext>
+            </a:extLst>
+          </p:cNvPr>
+          <p:cNvSpPr/>
+          <p:nvPr/>
+        </p:nvSpPr>
+        <p:spPr>
+          <a:xfrm>
+            <a:off x="5193224" y="4120908"/>
+            <a:ext cx="1032953" cy="549111"/>
+          </a:xfrm>
+          <a:prstGeom prst="foldedCorner">
+            <a:avLst/>
+          </a:prstGeom>
+          <a:solidFill>
+            <a:schemeClr val="bg1"/>
+          </a:solidFill>
+        </p:spPr>
+        <p:style>
+          <a:lnRef idx="2">
+            <a:schemeClr val="accent1">
+              <a:shade val="50000"/>
+            </a:schemeClr>
+          </a:lnRef>
+          <a:fillRef idx="1">
+            <a:schemeClr val="accent1"/>
+          </a:fillRef>
+          <a:effectRef idx="0">
+            <a:schemeClr val="accent1"/>
+          </a:effectRef>
+          <a:fontRef idx="minor">
+            <a:schemeClr val="lt1"/>
+          </a:fontRef>
+        </p:style>
+        <p:txBody>
+          <a:bodyPr rtlCol="0" anchor="ctr"/>
+          <a:lstStyle/>
+          <a:p>
+            <a:r>
+              <a:rPr lang="en-CA" sz="1400" dirty="0">
+                <a:solidFill>
+                  <a:schemeClr val="tx1"/>
+                </a:solidFill>
+              </a:rPr>
+              <a:t>- Connector</a:t>
+            </a:r>
+            <a:br>
+              <a:rPr lang="en-CA" sz="1400" dirty="0">
+                <a:solidFill>
+                  <a:schemeClr val="tx1"/>
+                </a:solidFill>
+              </a:rPr>
+            </a:br>
+            <a:r>
+              <a:rPr lang="en-CA" sz="1400" dirty="0">
+                <a:solidFill>
+                  <a:schemeClr val="tx1"/>
+                </a:solidFill>
+              </a:rPr>
+              <a:t>   logic</a:t>
+            </a:r>
+          </a:p>
+        </p:txBody>
+      </p:sp>
+      <p:cxnSp>
+        <p:nvCxnSpPr>
+          <p:cNvPr id="29" name="Straight Arrow Connector 28">
+            <a:extLst>
+              <a:ext uri="{FF2B5EF4-FFF2-40B4-BE49-F238E27FC236}">
+                <a16:creationId xmlns:a16="http://schemas.microsoft.com/office/drawing/2014/main" id="{6557436D-CF30-4D02-BA89-AE608FCA8FBD}"/>
+              </a:ext>
+            </a:extLst>
+          </p:cNvPr>
+          <p:cNvCxnSpPr>
+            <a:cxnSpLocks/>
+          </p:cNvCxnSpPr>
+          <p:nvPr/>
+        </p:nvCxnSpPr>
+        <p:spPr>
+          <a:xfrm>
+            <a:off x="5709700" y="3235468"/>
+            <a:ext cx="2215100" cy="0"/>
+          </a:xfrm>
+          <a:prstGeom prst="straightConnector1">
+            <a:avLst/>
+          </a:prstGeom>
+          <a:ln w="31750">
+            <a:solidFill>
+              <a:schemeClr val="tx1"/>
+            </a:solidFill>
+            <a:tailEnd type="triangle"/>
+          </a:ln>
+        </p:spPr>
+        <p:style>
+          <a:lnRef idx="1">
+            <a:schemeClr val="accent1"/>
+          </a:lnRef>
+          <a:fillRef idx="0">
+            <a:schemeClr val="accent1"/>
+          </a:fillRef>
+          <a:effectRef idx="0">
+            <a:schemeClr val="accent1"/>
+          </a:effectRef>
+          <a:fontRef idx="minor">
+            <a:schemeClr val="tx1"/>
+          </a:fontRef>
+        </p:style>
+      </p:cxnSp>
+      <p:cxnSp>
+        <p:nvCxnSpPr>
+          <p:cNvPr id="24" name="Straight Connector 23">
+            <a:extLst>
+              <a:ext uri="{FF2B5EF4-FFF2-40B4-BE49-F238E27FC236}">
+                <a16:creationId xmlns:a16="http://schemas.microsoft.com/office/drawing/2014/main" id="{346E8504-A8FF-4AFE-A439-3D7A933DCAF9}"/>
+              </a:ext>
+            </a:extLst>
+          </p:cNvPr>
+          <p:cNvCxnSpPr>
+            <a:cxnSpLocks/>
+            <a:stCxn id="25" idx="2"/>
+          </p:cNvCxnSpPr>
+          <p:nvPr/>
+        </p:nvCxnSpPr>
+        <p:spPr>
+          <a:xfrm>
+            <a:off x="7317491" y="2955088"/>
+            <a:ext cx="0" cy="825456"/>
+          </a:xfrm>
+          <a:prstGeom prst="line">
+            <a:avLst/>
+          </a:prstGeom>
+          <a:ln w="28575"/>
+        </p:spPr>
+        <p:style>
+          <a:lnRef idx="1">
+            <a:schemeClr val="accent1"/>
+          </a:lnRef>
+          <a:fillRef idx="0">
+            <a:schemeClr val="accent1"/>
+          </a:fillRef>
+          <a:effectRef idx="0">
+            <a:schemeClr val="accent1"/>
+          </a:effectRef>
+          <a:fontRef idx="minor">
+            <a:schemeClr val="tx1"/>
+          </a:fontRef>
+        </p:style>
+      </p:cxnSp>
+      <p:sp>
+        <p:nvSpPr>
+          <p:cNvPr id="25" name="TextBox 24">
+            <a:extLst>
+              <a:ext uri="{FF2B5EF4-FFF2-40B4-BE49-F238E27FC236}">
+                <a16:creationId xmlns:a16="http://schemas.microsoft.com/office/drawing/2014/main" id="{DC71B652-CCF7-4E71-AAA2-84664B7CAD70}"/>
+              </a:ext>
+            </a:extLst>
+          </p:cNvPr>
+          <p:cNvSpPr txBox="1"/>
+          <p:nvPr/>
+        </p:nvSpPr>
+        <p:spPr>
+          <a:xfrm>
+            <a:off x="6811583" y="2308757"/>
+            <a:ext cx="1011815" cy="646331"/>
+          </a:xfrm>
+          <a:prstGeom prst="rect">
+            <a:avLst/>
+          </a:prstGeom>
+          <a:noFill/>
+        </p:spPr>
+        <p:txBody>
+          <a:bodyPr wrap="none" rtlCol="0">
+            <a:spAutoFit/>
+          </a:bodyPr>
+          <a:lstStyle/>
+          <a:p>
+            <a:r>
+              <a:rPr lang="en-CA" dirty="0" err="1"/>
+              <a:t>PubSub</a:t>
+            </a:r>
+            <a:r>
+              <a:rPr lang="en-CA" dirty="0"/>
+              <a:t>+</a:t>
+            </a:r>
+          </a:p>
+          <a:p>
+            <a:r>
+              <a:rPr lang="en-CA" dirty="0"/>
+              <a:t>REST API</a:t>
+            </a:r>
+          </a:p>
+        </p:txBody>
+      </p:sp>
+      <p:sp>
+        <p:nvSpPr>
+          <p:cNvPr id="34" name="Rectangle: Folded Corner 33">
+            <a:extLst>
+              <a:ext uri="{FF2B5EF4-FFF2-40B4-BE49-F238E27FC236}">
+                <a16:creationId xmlns:a16="http://schemas.microsoft.com/office/drawing/2014/main" id="{9FBEAD5C-2572-43F3-B0FD-83637D076046}"/>
+              </a:ext>
+            </a:extLst>
+          </p:cNvPr>
+          <p:cNvSpPr/>
+          <p:nvPr/>
+        </p:nvSpPr>
+        <p:spPr>
+          <a:xfrm>
+            <a:off x="7913744" y="4503561"/>
+            <a:ext cx="2215100" cy="758779"/>
+          </a:xfrm>
+          <a:prstGeom prst="foldedCorner">
+            <a:avLst/>
+          </a:prstGeom>
+          <a:solidFill>
+            <a:schemeClr val="bg1"/>
+          </a:solidFill>
+        </p:spPr>
+        <p:style>
+          <a:lnRef idx="2">
+            <a:schemeClr val="accent1">
+              <a:shade val="50000"/>
+            </a:schemeClr>
+          </a:lnRef>
+          <a:fillRef idx="1">
+            <a:schemeClr val="accent1"/>
+          </a:fillRef>
+          <a:effectRef idx="0">
+            <a:schemeClr val="accent1"/>
+          </a:effectRef>
+          <a:fontRef idx="minor">
+            <a:schemeClr val="lt1"/>
+          </a:fontRef>
+        </p:style>
+        <p:txBody>
+          <a:bodyPr rtlCol="0" anchor="ctr"/>
+          <a:lstStyle/>
+          <a:p>
+            <a:r>
+              <a:rPr lang="en-CA" sz="1400" dirty="0">
+                <a:solidFill>
+                  <a:schemeClr val="tx1"/>
+                </a:solidFill>
+              </a:rPr>
+              <a:t>- REST Messaging service</a:t>
+            </a:r>
+          </a:p>
+          <a:p>
+            <a:r>
+              <a:rPr lang="en-CA" sz="1400" dirty="0">
+                <a:solidFill>
+                  <a:schemeClr val="tx1"/>
+                </a:solidFill>
+              </a:rPr>
+              <a:t>- REST Client Authentication</a:t>
+            </a:r>
+          </a:p>
+          <a:p>
+            <a:r>
+              <a:rPr lang="en-CA" sz="1400" dirty="0">
+                <a:solidFill>
+                  <a:schemeClr val="tx1"/>
+                </a:solidFill>
+              </a:rPr>
+              <a:t>   method</a:t>
+            </a:r>
+          </a:p>
+        </p:txBody>
+      </p:sp>
+      <p:grpSp>
+        <p:nvGrpSpPr>
+          <p:cNvPr id="49" name="Group 48">
+            <a:extLst>
+              <a:ext uri="{FF2B5EF4-FFF2-40B4-BE49-F238E27FC236}">
+                <a16:creationId xmlns:a16="http://schemas.microsoft.com/office/drawing/2014/main" id="{044DCF32-9526-4541-9258-BA7D76C67471}"/>
+              </a:ext>
+            </a:extLst>
+          </p:cNvPr>
+          <p:cNvGrpSpPr/>
+          <p:nvPr/>
+        </p:nvGrpSpPr>
+        <p:grpSpPr>
+          <a:xfrm>
+            <a:off x="931190" y="2943124"/>
+            <a:ext cx="269468" cy="802160"/>
+            <a:chOff x="589514" y="2308757"/>
+            <a:chExt cx="326015" cy="970491"/>
+          </a:xfrm>
+        </p:grpSpPr>
+        <p:sp>
+          <p:nvSpPr>
+            <p:cNvPr id="28" name="Flowchart: Connector 27">
+              <a:extLst>
+                <a:ext uri="{FF2B5EF4-FFF2-40B4-BE49-F238E27FC236}">
+                  <a16:creationId xmlns:a16="http://schemas.microsoft.com/office/drawing/2014/main" id="{6EAA8440-2327-4011-987C-688B5A238190}"/>
+                </a:ext>
+              </a:extLst>
+            </p:cNvPr>
+            <p:cNvSpPr/>
+            <p:nvPr/>
+          </p:nvSpPr>
+          <p:spPr>
+            <a:xfrm>
+              <a:off x="600364" y="2308757"/>
+              <a:ext cx="289830" cy="286661"/>
+            </a:xfrm>
+            <a:prstGeom prst="flowChartConnector">
+              <a:avLst/>
+            </a:prstGeom>
+            <a:noFill/>
+            <a:ln w="22225">
+              <a:solidFill>
+                <a:schemeClr val="tx1"/>
+              </a:solidFill>
+            </a:ln>
+          </p:spPr>
+          <p:style>
+            <a:lnRef idx="2">
+              <a:schemeClr val="accent1">
+                <a:shade val="50000"/>
+              </a:schemeClr>
+            </a:lnRef>
+            <a:fillRef idx="1">
+              <a:schemeClr val="accent1"/>
+            </a:fillRef>
+            <a:effectRef idx="0">
+              <a:schemeClr val="accent1"/>
+            </a:effectRef>
+            <a:fontRef idx="minor">
+              <a:schemeClr val="lt1"/>
+            </a:fontRef>
+          </p:style>
+          <p:txBody>
+            <a:bodyPr rtlCol="0" anchor="ctr"/>
+            <a:lstStyle/>
+            <a:p>
+              <a:pPr algn="ctr"/>
+              <a:endParaRPr lang="en-CA"/>
+            </a:p>
+          </p:txBody>
+        </p:sp>
+        <p:cxnSp>
+          <p:nvCxnSpPr>
+            <p:cNvPr id="31" name="Straight Connector 30">
+              <a:extLst>
+                <a:ext uri="{FF2B5EF4-FFF2-40B4-BE49-F238E27FC236}">
+                  <a16:creationId xmlns:a16="http://schemas.microsoft.com/office/drawing/2014/main" id="{EB9DEC9C-CA34-4319-BE72-AF5B6DF869A5}"/>
+                </a:ext>
+              </a:extLst>
+            </p:cNvPr>
+            <p:cNvCxnSpPr>
+              <a:cxnSpLocks/>
+            </p:cNvCxnSpPr>
+            <p:nvPr/>
+          </p:nvCxnSpPr>
+          <p:spPr>
+            <a:xfrm>
+              <a:off x="754515" y="2595418"/>
+              <a:ext cx="0" cy="326015"/>
+            </a:xfrm>
+            <a:prstGeom prst="line">
+              <a:avLst/>
+            </a:prstGeom>
+            <a:noFill/>
+            <a:ln w="22225">
+              <a:solidFill>
+                <a:schemeClr val="tx1"/>
+              </a:solidFill>
+            </a:ln>
+          </p:spPr>
+          <p:style>
+            <a:lnRef idx="2">
+              <a:schemeClr val="accent1">
+                <a:shade val="50000"/>
+              </a:schemeClr>
+            </a:lnRef>
+            <a:fillRef idx="1">
+              <a:schemeClr val="accent1"/>
+            </a:fillRef>
+            <a:effectRef idx="0">
+              <a:schemeClr val="accent1"/>
+            </a:effectRef>
+            <a:fontRef idx="minor">
+              <a:schemeClr val="lt1"/>
+            </a:fontRef>
+          </p:style>
+        </p:cxnSp>
+        <p:cxnSp>
+          <p:nvCxnSpPr>
+            <p:cNvPr id="38" name="Straight Connector 37">
+              <a:extLst>
+                <a:ext uri="{FF2B5EF4-FFF2-40B4-BE49-F238E27FC236}">
+                  <a16:creationId xmlns:a16="http://schemas.microsoft.com/office/drawing/2014/main" id="{394E01A7-99BE-4B9B-95A3-1F62416460D3}"/>
+                </a:ext>
+              </a:extLst>
+            </p:cNvPr>
+            <p:cNvCxnSpPr>
+              <a:cxnSpLocks/>
+            </p:cNvCxnSpPr>
+            <p:nvPr/>
+          </p:nvCxnSpPr>
+          <p:spPr>
+            <a:xfrm flipH="1">
+              <a:off x="605094" y="2921433"/>
+              <a:ext cx="147429" cy="357815"/>
+            </a:xfrm>
+            <a:prstGeom prst="line">
+              <a:avLst/>
+            </a:prstGeom>
+            <a:noFill/>
+            <a:ln w="22225">
+              <a:solidFill>
+                <a:schemeClr val="tx1"/>
+              </a:solidFill>
+            </a:ln>
+          </p:spPr>
+          <p:style>
+            <a:lnRef idx="2">
+              <a:schemeClr val="accent1">
+                <a:shade val="50000"/>
+              </a:schemeClr>
+            </a:lnRef>
+            <a:fillRef idx="1">
+              <a:schemeClr val="accent1"/>
+            </a:fillRef>
+            <a:effectRef idx="0">
+              <a:schemeClr val="accent1"/>
+            </a:effectRef>
+            <a:fontRef idx="minor">
+              <a:schemeClr val="lt1"/>
+            </a:fontRef>
+          </p:style>
+        </p:cxnSp>
+        <p:cxnSp>
+          <p:nvCxnSpPr>
+            <p:cNvPr id="40" name="Straight Connector 39">
+              <a:extLst>
+                <a:ext uri="{FF2B5EF4-FFF2-40B4-BE49-F238E27FC236}">
+                  <a16:creationId xmlns:a16="http://schemas.microsoft.com/office/drawing/2014/main" id="{58BCF888-B1B8-45FE-874B-B0C69F72B3FD}"/>
+                </a:ext>
+              </a:extLst>
+            </p:cNvPr>
+            <p:cNvCxnSpPr>
+              <a:cxnSpLocks/>
+            </p:cNvCxnSpPr>
+            <p:nvPr/>
+          </p:nvCxnSpPr>
+          <p:spPr>
+            <a:xfrm>
+              <a:off x="753986" y="2921433"/>
+              <a:ext cx="147429" cy="357815"/>
+            </a:xfrm>
+            <a:prstGeom prst="line">
+              <a:avLst/>
+            </a:prstGeom>
+            <a:noFill/>
+            <a:ln w="22225">
+              <a:solidFill>
+                <a:schemeClr val="tx1"/>
+              </a:solidFill>
+            </a:ln>
+          </p:spPr>
+          <p:style>
+            <a:lnRef idx="2">
+              <a:schemeClr val="accent1">
+                <a:shade val="50000"/>
+              </a:schemeClr>
+            </a:lnRef>
+            <a:fillRef idx="1">
+              <a:schemeClr val="accent1"/>
+            </a:fillRef>
+            <a:effectRef idx="0">
+              <a:schemeClr val="accent1"/>
+            </a:effectRef>
+            <a:fontRef idx="minor">
+              <a:schemeClr val="lt1"/>
+            </a:fontRef>
+          </p:style>
+        </p:cxnSp>
+        <p:cxnSp>
+          <p:nvCxnSpPr>
+            <p:cNvPr id="46" name="Straight Connector 45">
+              <a:extLst>
+                <a:ext uri="{FF2B5EF4-FFF2-40B4-BE49-F238E27FC236}">
+                  <a16:creationId xmlns:a16="http://schemas.microsoft.com/office/drawing/2014/main" id="{D72C9738-8075-497D-A613-D4118E1EED1D}"/>
+                </a:ext>
+              </a:extLst>
+            </p:cNvPr>
+            <p:cNvCxnSpPr>
+              <a:cxnSpLocks/>
+            </p:cNvCxnSpPr>
+            <p:nvPr/>
+          </p:nvCxnSpPr>
+          <p:spPr>
+            <a:xfrm rot="5400000">
+              <a:off x="752522" y="2595418"/>
+              <a:ext cx="0" cy="326015"/>
+            </a:xfrm>
+            <a:prstGeom prst="line">
+              <a:avLst/>
+            </a:prstGeom>
+            <a:noFill/>
+            <a:ln w="22225">
+              <a:solidFill>
+                <a:schemeClr val="tx1"/>
+              </a:solidFill>
+            </a:ln>
+          </p:spPr>
+          <p:style>
+            <a:lnRef idx="2">
+              <a:schemeClr val="accent1">
+                <a:shade val="50000"/>
+              </a:schemeClr>
+            </a:lnRef>
+            <a:fillRef idx="1">
+              <a:schemeClr val="accent1"/>
+            </a:fillRef>
+            <a:effectRef idx="0">
+              <a:schemeClr val="accent1"/>
+            </a:effectRef>
+            <a:fontRef idx="minor">
+              <a:schemeClr val="lt1"/>
+            </a:fontRef>
+          </p:style>
+        </p:cxnSp>
+      </p:grpSp>
+      <p:grpSp>
+        <p:nvGrpSpPr>
+          <p:cNvPr id="55" name="Group 54">
+            <a:extLst>
+              <a:ext uri="{FF2B5EF4-FFF2-40B4-BE49-F238E27FC236}">
+                <a16:creationId xmlns:a16="http://schemas.microsoft.com/office/drawing/2014/main" id="{8D29D42B-742D-4256-A4CE-E1E3EE5F7062}"/>
+              </a:ext>
+            </a:extLst>
+          </p:cNvPr>
+          <p:cNvGrpSpPr/>
+          <p:nvPr/>
+        </p:nvGrpSpPr>
+        <p:grpSpPr>
+          <a:xfrm>
+            <a:off x="10942378" y="2907715"/>
+            <a:ext cx="269468" cy="802160"/>
+            <a:chOff x="589514" y="2308757"/>
+            <a:chExt cx="326015" cy="970491"/>
+          </a:xfrm>
+        </p:grpSpPr>
+        <p:sp>
+          <p:nvSpPr>
+            <p:cNvPr id="56" name="Flowchart: Connector 55">
+              <a:extLst>
+                <a:ext uri="{FF2B5EF4-FFF2-40B4-BE49-F238E27FC236}">
+                  <a16:creationId xmlns:a16="http://schemas.microsoft.com/office/drawing/2014/main" id="{34B0C48D-81FD-4C3E-B2C0-290A6C5B6E44}"/>
+                </a:ext>
+              </a:extLst>
+            </p:cNvPr>
+            <p:cNvSpPr/>
+            <p:nvPr/>
+          </p:nvSpPr>
+          <p:spPr>
+            <a:xfrm>
+              <a:off x="600364" y="2308757"/>
+              <a:ext cx="289830" cy="286661"/>
+            </a:xfrm>
+            <a:prstGeom prst="flowChartConnector">
+              <a:avLst/>
+            </a:prstGeom>
+            <a:noFill/>
+            <a:ln w="22225">
+              <a:solidFill>
+                <a:schemeClr val="tx1"/>
+              </a:solidFill>
+            </a:ln>
+          </p:spPr>
+          <p:style>
+            <a:lnRef idx="2">
+              <a:schemeClr val="accent1">
+                <a:shade val="50000"/>
+              </a:schemeClr>
+            </a:lnRef>
+            <a:fillRef idx="1">
+              <a:schemeClr val="accent1"/>
+            </a:fillRef>
+            <a:effectRef idx="0">
+              <a:schemeClr val="accent1"/>
+            </a:effectRef>
+            <a:fontRef idx="minor">
+              <a:schemeClr val="lt1"/>
+            </a:fontRef>
+          </p:style>
+          <p:txBody>
+            <a:bodyPr rtlCol="0" anchor="ctr"/>
+            <a:lstStyle/>
+            <a:p>
+              <a:pPr algn="ctr"/>
+              <a:endParaRPr lang="en-CA"/>
+            </a:p>
+          </p:txBody>
+        </p:sp>
+        <p:cxnSp>
+          <p:nvCxnSpPr>
+            <p:cNvPr id="57" name="Straight Connector 56">
+              <a:extLst>
+                <a:ext uri="{FF2B5EF4-FFF2-40B4-BE49-F238E27FC236}">
+                  <a16:creationId xmlns:a16="http://schemas.microsoft.com/office/drawing/2014/main" id="{B37236D2-CBD0-4D79-84A8-A3A34B9D5FD2}"/>
+                </a:ext>
+              </a:extLst>
+            </p:cNvPr>
+            <p:cNvCxnSpPr>
+              <a:cxnSpLocks/>
+            </p:cNvCxnSpPr>
+            <p:nvPr/>
+          </p:nvCxnSpPr>
+          <p:spPr>
+            <a:xfrm>
+              <a:off x="754515" y="2595418"/>
+              <a:ext cx="0" cy="326015"/>
+            </a:xfrm>
+            <a:prstGeom prst="line">
+              <a:avLst/>
+            </a:prstGeom>
+            <a:noFill/>
+            <a:ln w="22225">
+              <a:solidFill>
+                <a:schemeClr val="tx1"/>
+              </a:solidFill>
+            </a:ln>
+          </p:spPr>
+          <p:style>
+            <a:lnRef idx="2">
+              <a:schemeClr val="accent1">
+                <a:shade val="50000"/>
+              </a:schemeClr>
+            </a:lnRef>
+            <a:fillRef idx="1">
+              <a:schemeClr val="accent1"/>
+            </a:fillRef>
+            <a:effectRef idx="0">
+              <a:schemeClr val="accent1"/>
+            </a:effectRef>
+            <a:fontRef idx="minor">
+              <a:schemeClr val="lt1"/>
+            </a:fontRef>
+          </p:style>
+        </p:cxnSp>
+        <p:cxnSp>
+          <p:nvCxnSpPr>
+            <p:cNvPr id="58" name="Straight Connector 57">
+              <a:extLst>
+                <a:ext uri="{FF2B5EF4-FFF2-40B4-BE49-F238E27FC236}">
+                  <a16:creationId xmlns:a16="http://schemas.microsoft.com/office/drawing/2014/main" id="{FBE945B7-8DF1-47F3-9980-C1BD82AD3B9B}"/>
+                </a:ext>
+              </a:extLst>
+            </p:cNvPr>
+            <p:cNvCxnSpPr>
+              <a:cxnSpLocks/>
+            </p:cNvCxnSpPr>
+            <p:nvPr/>
+          </p:nvCxnSpPr>
+          <p:spPr>
+            <a:xfrm flipH="1">
+              <a:off x="605094" y="2921433"/>
+              <a:ext cx="147429" cy="357815"/>
+            </a:xfrm>
+            <a:prstGeom prst="line">
+              <a:avLst/>
+            </a:prstGeom>
+            <a:noFill/>
+            <a:ln w="22225">
+              <a:solidFill>
+                <a:schemeClr val="tx1"/>
+              </a:solidFill>
+            </a:ln>
+          </p:spPr>
+          <p:style>
+            <a:lnRef idx="2">
+              <a:schemeClr val="accent1">
+                <a:shade val="50000"/>
+              </a:schemeClr>
+            </a:lnRef>
+            <a:fillRef idx="1">
+              <a:schemeClr val="accent1"/>
+            </a:fillRef>
+            <a:effectRef idx="0">
+              <a:schemeClr val="accent1"/>
+            </a:effectRef>
+            <a:fontRef idx="minor">
+              <a:schemeClr val="lt1"/>
+            </a:fontRef>
+          </p:style>
+        </p:cxnSp>
+        <p:cxnSp>
+          <p:nvCxnSpPr>
+            <p:cNvPr id="59" name="Straight Connector 58">
+              <a:extLst>
+                <a:ext uri="{FF2B5EF4-FFF2-40B4-BE49-F238E27FC236}">
+                  <a16:creationId xmlns:a16="http://schemas.microsoft.com/office/drawing/2014/main" id="{5F1CBF33-68E6-45B0-89FE-D75838C2B9E9}"/>
+                </a:ext>
+              </a:extLst>
+            </p:cNvPr>
+            <p:cNvCxnSpPr>
+              <a:cxnSpLocks/>
+            </p:cNvCxnSpPr>
+            <p:nvPr/>
+          </p:nvCxnSpPr>
+          <p:spPr>
+            <a:xfrm>
+              <a:off x="753986" y="2921433"/>
+              <a:ext cx="147429" cy="357815"/>
+            </a:xfrm>
+            <a:prstGeom prst="line">
+              <a:avLst/>
+            </a:prstGeom>
+            <a:noFill/>
+            <a:ln w="22225">
+              <a:solidFill>
+                <a:schemeClr val="tx1"/>
+              </a:solidFill>
+            </a:ln>
+          </p:spPr>
+          <p:style>
+            <a:lnRef idx="2">
+              <a:schemeClr val="accent1">
+                <a:shade val="50000"/>
+              </a:schemeClr>
+            </a:lnRef>
+            <a:fillRef idx="1">
+              <a:schemeClr val="accent1"/>
+            </a:fillRef>
+            <a:effectRef idx="0">
+              <a:schemeClr val="accent1"/>
+            </a:effectRef>
+            <a:fontRef idx="minor">
+              <a:schemeClr val="lt1"/>
+            </a:fontRef>
+          </p:style>
+        </p:cxnSp>
+        <p:cxnSp>
+          <p:nvCxnSpPr>
+            <p:cNvPr id="60" name="Straight Connector 59">
+              <a:extLst>
+                <a:ext uri="{FF2B5EF4-FFF2-40B4-BE49-F238E27FC236}">
+                  <a16:creationId xmlns:a16="http://schemas.microsoft.com/office/drawing/2014/main" id="{1DC2C858-E9E2-4592-9353-665FAC5F7B9A}"/>
+                </a:ext>
+              </a:extLst>
+            </p:cNvPr>
+            <p:cNvCxnSpPr>
+              <a:cxnSpLocks/>
+            </p:cNvCxnSpPr>
+            <p:nvPr/>
+          </p:nvCxnSpPr>
+          <p:spPr>
+            <a:xfrm rot="5400000">
+              <a:off x="752522" y="2595418"/>
+              <a:ext cx="0" cy="326015"/>
+            </a:xfrm>
+            <a:prstGeom prst="line">
+              <a:avLst/>
+            </a:prstGeom>
+            <a:noFill/>
+            <a:ln w="22225">
+              <a:solidFill>
+                <a:schemeClr val="tx1"/>
+              </a:solidFill>
+            </a:ln>
+          </p:spPr>
+          <p:style>
+            <a:lnRef idx="2">
+              <a:schemeClr val="accent1">
+                <a:shade val="50000"/>
+              </a:schemeClr>
+            </a:lnRef>
+            <a:fillRef idx="1">
+              <a:schemeClr val="accent1"/>
+            </a:fillRef>
+            <a:effectRef idx="0">
+              <a:schemeClr val="accent1"/>
+            </a:effectRef>
+            <a:fontRef idx="minor">
+              <a:schemeClr val="lt1"/>
+            </a:fontRef>
+          </p:style>
+        </p:cxnSp>
+      </p:grpSp>
+      <p:cxnSp>
+        <p:nvCxnSpPr>
+          <p:cNvPr id="61" name="Straight Arrow Connector 60">
+            <a:extLst>
+              <a:ext uri="{FF2B5EF4-FFF2-40B4-BE49-F238E27FC236}">
+                <a16:creationId xmlns:a16="http://schemas.microsoft.com/office/drawing/2014/main" id="{4AC2F28F-6995-4214-941B-73E60229B97A}"/>
+              </a:ext>
+            </a:extLst>
+          </p:cNvPr>
+          <p:cNvCxnSpPr>
+            <a:cxnSpLocks/>
+          </p:cNvCxnSpPr>
+          <p:nvPr/>
+        </p:nvCxnSpPr>
+        <p:spPr>
+          <a:xfrm flipV="1">
+            <a:off x="1477818" y="3300120"/>
+            <a:ext cx="901809" cy="14678"/>
+          </a:xfrm>
+          <a:prstGeom prst="straightConnector1">
+            <a:avLst/>
+          </a:prstGeom>
+          <a:ln w="31750">
+            <a:solidFill>
+              <a:schemeClr val="tx1"/>
+            </a:solidFill>
+            <a:tailEnd type="triangle"/>
+          </a:ln>
+        </p:spPr>
+        <p:style>
+          <a:lnRef idx="1">
+            <a:schemeClr val="accent1"/>
+          </a:lnRef>
+          <a:fillRef idx="0">
+            <a:schemeClr val="accent1"/>
+          </a:fillRef>
+          <a:effectRef idx="0">
+            <a:schemeClr val="accent1"/>
+          </a:effectRef>
+          <a:fontRef idx="minor">
+            <a:schemeClr val="tx1"/>
+          </a:fontRef>
+        </p:style>
+      </p:cxnSp>
+      <p:cxnSp>
+        <p:nvCxnSpPr>
+          <p:cNvPr id="63" name="Straight Arrow Connector 62">
+            <a:extLst>
+              <a:ext uri="{FF2B5EF4-FFF2-40B4-BE49-F238E27FC236}">
+                <a16:creationId xmlns:a16="http://schemas.microsoft.com/office/drawing/2014/main" id="{C70E590B-25EA-4354-B0AC-9A6D1C7191E7}"/>
+              </a:ext>
+            </a:extLst>
+          </p:cNvPr>
+          <p:cNvCxnSpPr>
+            <a:cxnSpLocks/>
+          </p:cNvCxnSpPr>
+          <p:nvPr/>
+        </p:nvCxnSpPr>
+        <p:spPr>
+          <a:xfrm>
+            <a:off x="9688945" y="3287183"/>
+            <a:ext cx="1011985" cy="0"/>
+          </a:xfrm>
+          <a:prstGeom prst="straightConnector1">
+            <a:avLst/>
+          </a:prstGeom>
+          <a:ln w="31750">
+            <a:solidFill>
+              <a:schemeClr val="tx1"/>
+            </a:solidFill>
+            <a:tailEnd type="triangle"/>
+          </a:ln>
+        </p:spPr>
+        <p:style>
+          <a:lnRef idx="1">
+            <a:schemeClr val="accent1"/>
+          </a:lnRef>
+          <a:fillRef idx="0">
+            <a:schemeClr val="accent1"/>
+          </a:fillRef>
+          <a:effectRef idx="0">
+            <a:schemeClr val="accent1"/>
+          </a:effectRef>
+          <a:fontRef idx="minor">
+            <a:schemeClr val="tx1"/>
+          </a:fontRef>
+        </p:style>
+      </p:cxnSp>
+      <p:sp>
+        <p:nvSpPr>
+          <p:cNvPr id="1029" name="TextBox 1028">
+            <a:extLst>
+              <a:ext uri="{FF2B5EF4-FFF2-40B4-BE49-F238E27FC236}">
+                <a16:creationId xmlns:a16="http://schemas.microsoft.com/office/drawing/2014/main" id="{CABCA81E-CD9F-43C2-8F6E-BBE66C342326}"/>
+              </a:ext>
+            </a:extLst>
+          </p:cNvPr>
+          <p:cNvSpPr txBox="1"/>
+          <p:nvPr/>
+        </p:nvSpPr>
+        <p:spPr>
+          <a:xfrm>
+            <a:off x="1176946" y="1385427"/>
+            <a:ext cx="997068" cy="923330"/>
+          </a:xfrm>
+          <a:prstGeom prst="rect">
+            <a:avLst/>
+          </a:prstGeom>
+          <a:noFill/>
+        </p:spPr>
+        <p:txBody>
+          <a:bodyPr wrap="none" rtlCol="0">
+            <a:spAutoFit/>
+          </a:bodyPr>
+          <a:lstStyle/>
+          <a:p>
+            <a:pPr algn="ctr"/>
+            <a:r>
+              <a:rPr lang="en-CA" dirty="0"/>
+              <a:t>Publish</a:t>
+            </a:r>
+          </a:p>
+          <a:p>
+            <a:pPr algn="ctr"/>
+            <a:r>
+              <a:rPr lang="en-CA" dirty="0"/>
+              <a:t>Pub/Sub</a:t>
+            </a:r>
+          </a:p>
+          <a:p>
+            <a:r>
+              <a:rPr lang="en-CA" dirty="0"/>
+              <a:t>message</a:t>
+            </a:r>
+          </a:p>
+        </p:txBody>
+      </p:sp>
+      <p:sp>
+        <p:nvSpPr>
+          <p:cNvPr id="73" name="TextBox 72">
+            <a:extLst>
+              <a:ext uri="{FF2B5EF4-FFF2-40B4-BE49-F238E27FC236}">
+                <a16:creationId xmlns:a16="http://schemas.microsoft.com/office/drawing/2014/main" id="{348A0E2E-4600-4E2A-9651-DB3146AA8006}"/>
+              </a:ext>
+            </a:extLst>
+          </p:cNvPr>
+          <p:cNvSpPr txBox="1"/>
+          <p:nvPr/>
+        </p:nvSpPr>
+        <p:spPr>
+          <a:xfrm>
+            <a:off x="9612866" y="2961504"/>
+            <a:ext cx="1184153" cy="923330"/>
+          </a:xfrm>
+          <a:prstGeom prst="rect">
+            <a:avLst/>
+          </a:prstGeom>
+          <a:noFill/>
+        </p:spPr>
+        <p:txBody>
+          <a:bodyPr wrap="square" rtlCol="0">
+            <a:spAutoFit/>
+          </a:bodyPr>
+          <a:lstStyle/>
+          <a:p>
+            <a:pPr algn="ctr"/>
+            <a:r>
+              <a:rPr lang="en-CA" dirty="0"/>
+              <a:t>Consume</a:t>
+            </a:r>
+          </a:p>
+          <a:p>
+            <a:pPr algn="ctr"/>
+            <a:r>
+              <a:rPr lang="en-CA" dirty="0" err="1"/>
+              <a:t>PubSub</a:t>
+            </a:r>
+            <a:r>
+              <a:rPr lang="en-CA" dirty="0"/>
+              <a:t>+</a:t>
+            </a:r>
+          </a:p>
+          <a:p>
+            <a:r>
+              <a:rPr lang="en-CA" dirty="0"/>
+              <a:t>  message</a:t>
+            </a:r>
+          </a:p>
+        </p:txBody>
+      </p:sp>
+      <p:cxnSp>
+        <p:nvCxnSpPr>
+          <p:cNvPr id="75" name="Straight Arrow Connector 74">
+            <a:extLst>
+              <a:ext uri="{FF2B5EF4-FFF2-40B4-BE49-F238E27FC236}">
+                <a16:creationId xmlns:a16="http://schemas.microsoft.com/office/drawing/2014/main" id="{7A8C03E6-C5A8-4564-B09D-596826C249F5}"/>
+              </a:ext>
+            </a:extLst>
+          </p:cNvPr>
+          <p:cNvCxnSpPr>
+            <a:cxnSpLocks/>
+          </p:cNvCxnSpPr>
+          <p:nvPr/>
+        </p:nvCxnSpPr>
+        <p:spPr>
+          <a:xfrm flipH="1">
+            <a:off x="5709700" y="3358707"/>
+            <a:ext cx="2215100" cy="0"/>
+          </a:xfrm>
+          <a:prstGeom prst="straightConnector1">
+            <a:avLst/>
+          </a:prstGeom>
+          <a:ln w="31750">
+            <a:solidFill>
+              <a:schemeClr val="tx1"/>
+            </a:solidFill>
+            <a:tailEnd type="triangle"/>
+          </a:ln>
+        </p:spPr>
+        <p:style>
+          <a:lnRef idx="1">
+            <a:schemeClr val="accent1"/>
+          </a:lnRef>
+          <a:fillRef idx="0">
+            <a:schemeClr val="accent1"/>
+          </a:fillRef>
+          <a:effectRef idx="0">
+            <a:schemeClr val="accent1"/>
+          </a:effectRef>
+          <a:fontRef idx="minor">
+            <a:schemeClr val="tx1"/>
+          </a:fontRef>
+        </p:style>
+      </p:cxnSp>
+      <p:cxnSp>
+        <p:nvCxnSpPr>
+          <p:cNvPr id="76" name="Straight Arrow Connector 75">
+            <a:extLst>
+              <a:ext uri="{FF2B5EF4-FFF2-40B4-BE49-F238E27FC236}">
+                <a16:creationId xmlns:a16="http://schemas.microsoft.com/office/drawing/2014/main" id="{7755AE35-D548-46B7-905E-44DBBE36BAF9}"/>
+              </a:ext>
+            </a:extLst>
+          </p:cNvPr>
+          <p:cNvCxnSpPr>
+            <a:cxnSpLocks/>
+          </p:cNvCxnSpPr>
+          <p:nvPr/>
+        </p:nvCxnSpPr>
+        <p:spPr>
+          <a:xfrm flipH="1">
+            <a:off x="3608714" y="3332729"/>
+            <a:ext cx="867241" cy="0"/>
+          </a:xfrm>
+          <a:prstGeom prst="straightConnector1">
+            <a:avLst/>
+          </a:prstGeom>
+          <a:ln w="31750">
+            <a:tailEnd type="triangle"/>
+          </a:ln>
+        </p:spPr>
+        <p:style>
+          <a:lnRef idx="1">
+            <a:schemeClr val="accent1"/>
+          </a:lnRef>
+          <a:fillRef idx="0">
+            <a:schemeClr val="accent1"/>
+          </a:fillRef>
+          <a:effectRef idx="0">
+            <a:schemeClr val="accent1"/>
+          </a:effectRef>
+          <a:fontRef idx="minor">
+            <a:schemeClr val="tx1"/>
+          </a:fontRef>
+        </p:style>
+      </p:cxnSp>
+      <p:cxnSp>
+        <p:nvCxnSpPr>
+          <p:cNvPr id="77" name="Straight Connector 76">
+            <a:extLst>
+              <a:ext uri="{FF2B5EF4-FFF2-40B4-BE49-F238E27FC236}">
+                <a16:creationId xmlns:a16="http://schemas.microsoft.com/office/drawing/2014/main" id="{A1A77640-7C82-4963-B8A0-0F8AF2EE41B7}"/>
+              </a:ext>
+            </a:extLst>
+          </p:cNvPr>
+          <p:cNvCxnSpPr>
+            <a:cxnSpLocks/>
+          </p:cNvCxnSpPr>
+          <p:nvPr/>
+        </p:nvCxnSpPr>
+        <p:spPr>
+          <a:xfrm>
+            <a:off x="4051702" y="2983337"/>
+            <a:ext cx="0" cy="642513"/>
+          </a:xfrm>
+          <a:prstGeom prst="line">
+            <a:avLst/>
+          </a:prstGeom>
+          <a:ln w="28575"/>
+        </p:spPr>
+        <p:style>
+          <a:lnRef idx="1">
+            <a:schemeClr val="accent1"/>
+          </a:lnRef>
+          <a:fillRef idx="0">
+            <a:schemeClr val="accent1"/>
+          </a:fillRef>
+          <a:effectRef idx="0">
+            <a:schemeClr val="accent1"/>
+          </a:effectRef>
+          <a:fontRef idx="minor">
+            <a:schemeClr val="tx1"/>
+          </a:fontRef>
+        </p:style>
+      </p:cxnSp>
+      <p:sp>
+        <p:nvSpPr>
+          <p:cNvPr id="80" name="TextBox 79">
+            <a:extLst>
+              <a:ext uri="{FF2B5EF4-FFF2-40B4-BE49-F238E27FC236}">
+                <a16:creationId xmlns:a16="http://schemas.microsoft.com/office/drawing/2014/main" id="{B7BD5B79-F2E4-41B3-B07E-17247ECED63D}"/>
+              </a:ext>
+            </a:extLst>
+          </p:cNvPr>
+          <p:cNvSpPr txBox="1"/>
+          <p:nvPr/>
+        </p:nvSpPr>
+        <p:spPr>
+          <a:xfrm>
+            <a:off x="3737600" y="2592712"/>
+            <a:ext cx="636072" cy="369332"/>
+          </a:xfrm>
+          <a:prstGeom prst="rect">
+            <a:avLst/>
+          </a:prstGeom>
+          <a:noFill/>
+        </p:spPr>
+        <p:txBody>
+          <a:bodyPr wrap="none" rtlCol="0">
+            <a:spAutoFit/>
+          </a:bodyPr>
+          <a:lstStyle/>
+          <a:p>
+            <a:r>
+              <a:rPr lang="en-CA" dirty="0"/>
+              <a:t>REST</a:t>
+            </a:r>
+          </a:p>
+        </p:txBody>
+      </p:sp>
+      <p:sp>
+        <p:nvSpPr>
+          <p:cNvPr id="1036" name="TextBox 1035">
+            <a:extLst>
+              <a:ext uri="{FF2B5EF4-FFF2-40B4-BE49-F238E27FC236}">
+                <a16:creationId xmlns:a16="http://schemas.microsoft.com/office/drawing/2014/main" id="{CA196401-55B0-44C7-871C-1EFC59136089}"/>
+              </a:ext>
+            </a:extLst>
+          </p:cNvPr>
+          <p:cNvSpPr txBox="1"/>
+          <p:nvPr/>
+        </p:nvSpPr>
+        <p:spPr>
+          <a:xfrm>
+            <a:off x="6250799" y="2907715"/>
+            <a:ext cx="944297" cy="369332"/>
+          </a:xfrm>
+          <a:prstGeom prst="rect">
+            <a:avLst/>
+          </a:prstGeom>
+          <a:noFill/>
+        </p:spPr>
+        <p:txBody>
+          <a:bodyPr wrap="none" rtlCol="0">
+            <a:spAutoFit/>
+          </a:bodyPr>
+          <a:lstStyle/>
+          <a:p>
+            <a:r>
+              <a:rPr lang="en-CA" dirty="0"/>
+              <a:t>Request</a:t>
+            </a:r>
+          </a:p>
+        </p:txBody>
+      </p:sp>
+      <p:sp>
+        <p:nvSpPr>
+          <p:cNvPr id="82" name="TextBox 81">
+            <a:extLst>
+              <a:ext uri="{FF2B5EF4-FFF2-40B4-BE49-F238E27FC236}">
+                <a16:creationId xmlns:a16="http://schemas.microsoft.com/office/drawing/2014/main" id="{0222C02A-D565-47E2-95EB-94510F7AF396}"/>
+              </a:ext>
+            </a:extLst>
+          </p:cNvPr>
+          <p:cNvSpPr txBox="1"/>
+          <p:nvPr/>
+        </p:nvSpPr>
+        <p:spPr>
+          <a:xfrm>
+            <a:off x="6225749" y="3296077"/>
+            <a:ext cx="1081515" cy="369332"/>
+          </a:xfrm>
+          <a:prstGeom prst="rect">
+            <a:avLst/>
+          </a:prstGeom>
+          <a:noFill/>
+        </p:spPr>
+        <p:txBody>
+          <a:bodyPr wrap="none" rtlCol="0">
+            <a:spAutoFit/>
+          </a:bodyPr>
+          <a:lstStyle/>
+          <a:p>
+            <a:r>
+              <a:rPr lang="en-CA" dirty="0"/>
+              <a:t>Response</a:t>
+            </a:r>
+          </a:p>
+        </p:txBody>
+      </p:sp>
+      <p:sp>
+        <p:nvSpPr>
+          <p:cNvPr id="86" name="TextBox 85">
+            <a:extLst>
+              <a:ext uri="{FF2B5EF4-FFF2-40B4-BE49-F238E27FC236}">
+                <a16:creationId xmlns:a16="http://schemas.microsoft.com/office/drawing/2014/main" id="{CCF2ACD0-2BF6-4BE3-B5F3-739F7C369FA3}"/>
+              </a:ext>
+            </a:extLst>
+          </p:cNvPr>
+          <p:cNvSpPr txBox="1"/>
+          <p:nvPr/>
+        </p:nvSpPr>
+        <p:spPr>
+          <a:xfrm>
+            <a:off x="4478678" y="2343947"/>
+            <a:ext cx="1332994" cy="369332"/>
+          </a:xfrm>
+          <a:prstGeom prst="rect">
+            <a:avLst/>
+          </a:prstGeom>
+          <a:noFill/>
+        </p:spPr>
+        <p:txBody>
+          <a:bodyPr wrap="none" rtlCol="0">
+            <a:spAutoFit/>
+          </a:bodyPr>
+          <a:lstStyle/>
+          <a:p>
+            <a:r>
+              <a:rPr lang="en-CA" dirty="0"/>
+              <a:t>Inject secret</a:t>
+            </a:r>
+          </a:p>
+        </p:txBody>
+      </p:sp>
+    </p:spTree>
+    <p:extLst>
+      <p:ext uri="{BB962C8B-B14F-4D97-AF65-F5344CB8AC3E}">
+        <p14:creationId xmlns:p14="http://schemas.microsoft.com/office/powerpoint/2010/main" val="4280435345"/>
+      </p:ext>
+    </p:extLst>
+  </p:cSld>
+  <p:clrMapOvr>
+    <a:masterClrMapping/>
+  </p:clrMapOvr>
+</p:sld>
+</file>
+
+<file path=ppt/slides/slide3.xml><?xml version="1.0" encoding="utf-8"?>
+<p:sld xmlns:a="http://schemas.openxmlformats.org/drawingml/2006/main" xmlns:r="http://schemas.openxmlformats.org/officeDocument/2006/relationships" xmlns:p="http://schemas.openxmlformats.org/presentationml/2006/main">
+  <p:cSld>
+    <p:spTree>
+      <p:nvGrpSpPr>
+        <p:cNvPr id="1" name=""/>
+        <p:cNvGrpSpPr/>
+        <p:nvPr/>
+      </p:nvGrpSpPr>
+      <p:grpSpPr>
+        <a:xfrm>
+          <a:off x="0" y="0"/>
+          <a:ext cx="0" cy="0"/>
+          <a:chOff x="0" y="0"/>
+          <a:chExt cx="0" cy="0"/>
+        </a:xfrm>
+      </p:grpSpPr>
+      <p:pic>
+        <p:nvPicPr>
+          <p:cNvPr id="3" name="Picture 2">
+            <a:extLst>
+              <a:ext uri="{FF2B5EF4-FFF2-40B4-BE49-F238E27FC236}">
+                <a16:creationId xmlns:a16="http://schemas.microsoft.com/office/drawing/2014/main" id="{37B1EB69-8B44-496D-97DA-8E551A9E6E1D}"/>
+              </a:ext>
+            </a:extLst>
+          </p:cNvPr>
+          <p:cNvPicPr>
+            <a:picLocks noChangeAspect="1"/>
+          </p:cNvPicPr>
+          <p:nvPr/>
+        </p:nvPicPr>
+        <p:blipFill>
+          <a:blip r:embed="rId2" cstate="print">
+            <a:extLst>
+              <a:ext uri="{28A0092B-C50C-407E-A947-70E740481C1C}">
+                <a14:useLocalDpi xmlns:a14="http://schemas.microsoft.com/office/drawing/2010/main" val="0"/>
+              </a:ext>
+            </a:extLst>
+          </a:blip>
+          <a:stretch>
+            <a:fillRect/>
+          </a:stretch>
+        </p:blipFill>
+        <p:spPr>
+          <a:xfrm>
+            <a:off x="499811" y="126409"/>
+            <a:ext cx="7499508" cy="5951118"/>
+          </a:xfrm>
+          <a:prstGeom prst="rect">
+            <a:avLst/>
+          </a:prstGeom>
+        </p:spPr>
+      </p:pic>
+      <p:pic>
+        <p:nvPicPr>
+          <p:cNvPr id="5" name="Picture 8" descr="google cloud run icon vector">
+            <a:extLst>
+              <a:ext uri="{FF2B5EF4-FFF2-40B4-BE49-F238E27FC236}">
+                <a16:creationId xmlns:a16="http://schemas.microsoft.com/office/drawing/2014/main" id="{E39AA721-D92F-4287-B445-302D0B3DBA5F}"/>
+              </a:ext>
+            </a:extLst>
+          </p:cNvPr>
+          <p:cNvPicPr>
+            <a:picLocks noChangeAspect="1" noChangeArrowheads="1"/>
+          </p:cNvPicPr>
+          <p:nvPr/>
+        </p:nvPicPr>
+        <p:blipFill>
+          <a:blip r:embed="rId3">
+            <a:alphaModFix amt="80000"/>
+            <a:extLst>
+              <a:ext uri="{28A0092B-C50C-407E-A947-70E740481C1C}">
+                <a14:useLocalDpi xmlns:a14="http://schemas.microsoft.com/office/drawing/2010/main" val="0"/>
+              </a:ext>
+            </a:extLst>
+          </a:blip>
+          <a:srcRect/>
+          <a:stretch>
+            <a:fillRect/>
+          </a:stretch>
+        </p:blipFill>
+        <p:spPr bwMode="auto">
+          <a:xfrm>
+            <a:off x="5206154" y="2898922"/>
+            <a:ext cx="914400" cy="914400"/>
+          </a:xfrm>
+          <a:prstGeom prst="rect">
+            <a:avLst/>
+          </a:prstGeom>
+          <a:noFill/>
+          <a:extLst>
+            <a:ext uri="{909E8E84-426E-40DD-AFC4-6F175D3DCCD1}">
+              <a14:hiddenFill xmlns:a14="http://schemas.microsoft.com/office/drawing/2010/main">
+                <a:solidFill>
+                  <a:srgbClr val="FFFFFF"/>
+                </a:solidFill>
+              </a14:hiddenFill>
+            </a:ext>
+          </a:extLst>
+        </p:spPr>
+      </p:pic>
+      <p:pic>
+        <p:nvPicPr>
+          <p:cNvPr id="6" name="Picture 5">
+            <a:extLst>
+              <a:ext uri="{FF2B5EF4-FFF2-40B4-BE49-F238E27FC236}">
+                <a16:creationId xmlns:a16="http://schemas.microsoft.com/office/drawing/2014/main" id="{01B5D885-8176-4F9B-9383-FC94A08AAE8C}"/>
+              </a:ext>
+            </a:extLst>
+          </p:cNvPr>
+          <p:cNvPicPr>
+            <a:picLocks noChangeAspect="1"/>
+          </p:cNvPicPr>
+          <p:nvPr/>
+        </p:nvPicPr>
+        <p:blipFill>
+          <a:blip r:embed="rId4">
+            <a:alphaModFix amt="80000"/>
+          </a:blip>
+          <a:stretch>
+            <a:fillRect/>
+          </a:stretch>
+        </p:blipFill>
+        <p:spPr>
+          <a:xfrm>
+            <a:off x="2963532" y="2857025"/>
+            <a:ext cx="1073426" cy="914400"/>
+          </a:xfrm>
+          <a:prstGeom prst="rect">
+            <a:avLst/>
+          </a:prstGeom>
+        </p:spPr>
+      </p:pic>
+      <p:pic>
+        <p:nvPicPr>
+          <p:cNvPr id="7" name="Picture 6">
+            <a:extLst>
+              <a:ext uri="{FF2B5EF4-FFF2-40B4-BE49-F238E27FC236}">
+                <a16:creationId xmlns:a16="http://schemas.microsoft.com/office/drawing/2014/main" id="{20F7F66B-5C44-4889-8697-CAEDF7F10791}"/>
+              </a:ext>
+            </a:extLst>
+          </p:cNvPr>
+          <p:cNvPicPr>
+            <a:picLocks noChangeAspect="1"/>
+          </p:cNvPicPr>
+          <p:nvPr/>
+        </p:nvPicPr>
+        <p:blipFill>
+          <a:blip r:embed="rId5">
+            <a:alphaModFix amt="80000"/>
+          </a:blip>
+          <a:stretch>
+            <a:fillRect/>
+          </a:stretch>
+        </p:blipFill>
+        <p:spPr>
+          <a:xfrm>
+            <a:off x="3139549" y="1586400"/>
+            <a:ext cx="996845" cy="914400"/>
+          </a:xfrm>
+          <a:prstGeom prst="rect">
+            <a:avLst/>
+          </a:prstGeom>
+        </p:spPr>
+      </p:pic>
+      <p:sp>
+        <p:nvSpPr>
+          <p:cNvPr id="8" name="TextBox 7">
+            <a:extLst>
+              <a:ext uri="{FF2B5EF4-FFF2-40B4-BE49-F238E27FC236}">
+                <a16:creationId xmlns:a16="http://schemas.microsoft.com/office/drawing/2014/main" id="{2D41C6BD-BC15-4D73-B314-B0FC991CF5AA}"/>
+              </a:ext>
+            </a:extLst>
+          </p:cNvPr>
+          <p:cNvSpPr txBox="1"/>
+          <p:nvPr/>
+        </p:nvSpPr>
+        <p:spPr>
+          <a:xfrm>
+            <a:off x="2838272" y="3768154"/>
+            <a:ext cx="1492716" cy="307777"/>
+          </a:xfrm>
+          <a:prstGeom prst="rect">
+            <a:avLst/>
+          </a:prstGeom>
+          <a:noFill/>
+        </p:spPr>
+        <p:txBody>
+          <a:bodyPr wrap="none" rtlCol="0">
+            <a:spAutoFit/>
+          </a:bodyPr>
+          <a:lstStyle/>
+          <a:p>
+            <a:r>
+              <a:rPr lang="en-CA" sz="1400" b="1" dirty="0">
+                <a:latin typeface="Open Sans" panose="020B0606030504020204" pitchFamily="34" charset="0"/>
+                <a:ea typeface="Open Sans" panose="020B0606030504020204" pitchFamily="34" charset="0"/>
+                <a:cs typeface="Open Sans" panose="020B0606030504020204" pitchFamily="34" charset="0"/>
+              </a:rPr>
+              <a:t>Cloud Pub/Sub</a:t>
+            </a:r>
+          </a:p>
+        </p:txBody>
+      </p:sp>
+      <p:sp>
+        <p:nvSpPr>
+          <p:cNvPr id="9" name="TextBox 8">
+            <a:extLst>
+              <a:ext uri="{FF2B5EF4-FFF2-40B4-BE49-F238E27FC236}">
+                <a16:creationId xmlns:a16="http://schemas.microsoft.com/office/drawing/2014/main" id="{DF11ED65-BB9C-4D59-BA57-E1804669E9C5}"/>
+              </a:ext>
+            </a:extLst>
+          </p:cNvPr>
+          <p:cNvSpPr txBox="1"/>
+          <p:nvPr/>
+        </p:nvSpPr>
+        <p:spPr>
+          <a:xfrm>
+            <a:off x="5115108" y="3735785"/>
+            <a:ext cx="1098378" cy="307777"/>
+          </a:xfrm>
+          <a:prstGeom prst="rect">
+            <a:avLst/>
+          </a:prstGeom>
+          <a:noFill/>
+        </p:spPr>
+        <p:txBody>
+          <a:bodyPr wrap="none" rtlCol="0">
+            <a:spAutoFit/>
+          </a:bodyPr>
+          <a:lstStyle/>
+          <a:p>
+            <a:r>
+              <a:rPr lang="en-CA" sz="1400" b="1" dirty="0">
+                <a:latin typeface="Open Sans" panose="020B0606030504020204" pitchFamily="34" charset="0"/>
+                <a:ea typeface="Open Sans" panose="020B0606030504020204" pitchFamily="34" charset="0"/>
+                <a:cs typeface="Open Sans" panose="020B0606030504020204" pitchFamily="34" charset="0"/>
+              </a:rPr>
+              <a:t>Cloud Run</a:t>
+            </a:r>
+          </a:p>
+        </p:txBody>
+      </p:sp>
+      <p:sp>
+        <p:nvSpPr>
+          <p:cNvPr id="10" name="TextBox 9">
+            <a:extLst>
+              <a:ext uri="{FF2B5EF4-FFF2-40B4-BE49-F238E27FC236}">
+                <a16:creationId xmlns:a16="http://schemas.microsoft.com/office/drawing/2014/main" id="{B3615911-8FCD-4F32-876B-AF5303F2A037}"/>
+              </a:ext>
+            </a:extLst>
+          </p:cNvPr>
+          <p:cNvSpPr txBox="1"/>
+          <p:nvPr/>
+        </p:nvSpPr>
+        <p:spPr>
+          <a:xfrm>
+            <a:off x="2882268" y="2411022"/>
+            <a:ext cx="1669930" cy="307777"/>
+          </a:xfrm>
+          <a:prstGeom prst="rect">
+            <a:avLst/>
+          </a:prstGeom>
+          <a:noFill/>
+        </p:spPr>
+        <p:txBody>
+          <a:bodyPr wrap="square" rtlCol="0">
+            <a:spAutoFit/>
+          </a:bodyPr>
+          <a:lstStyle/>
+          <a:p>
+            <a:r>
+              <a:rPr lang="en-CA" sz="1400" b="1" dirty="0">
+                <a:latin typeface="Open Sans" panose="020B0606030504020204" pitchFamily="34" charset="0"/>
+                <a:ea typeface="Open Sans" panose="020B0606030504020204" pitchFamily="34" charset="0"/>
+                <a:cs typeface="Open Sans" panose="020B0606030504020204" pitchFamily="34" charset="0"/>
+              </a:rPr>
+              <a:t>Secret Manager</a:t>
+            </a:r>
+          </a:p>
+        </p:txBody>
+      </p:sp>
+      <p:cxnSp>
+        <p:nvCxnSpPr>
+          <p:cNvPr id="11" name="Straight Arrow Connector 10">
+            <a:extLst>
+              <a:ext uri="{FF2B5EF4-FFF2-40B4-BE49-F238E27FC236}">
+                <a16:creationId xmlns:a16="http://schemas.microsoft.com/office/drawing/2014/main" id="{916558A4-EF4B-4A6C-8F92-E838318570AF}"/>
+              </a:ext>
+            </a:extLst>
+          </p:cNvPr>
+          <p:cNvCxnSpPr>
+            <a:cxnSpLocks/>
+          </p:cNvCxnSpPr>
+          <p:nvPr/>
+        </p:nvCxnSpPr>
+        <p:spPr>
+          <a:xfrm>
+            <a:off x="4176040" y="2191892"/>
+            <a:ext cx="1210973" cy="766719"/>
+          </a:xfrm>
+          <a:prstGeom prst="straightConnector1">
+            <a:avLst/>
+          </a:prstGeom>
+          <a:ln w="31750">
+            <a:tailEnd type="triangle"/>
+          </a:ln>
+        </p:spPr>
+        <p:style>
+          <a:lnRef idx="1">
+            <a:schemeClr val="accent1"/>
+          </a:lnRef>
+          <a:fillRef idx="0">
+            <a:schemeClr val="accent1"/>
+          </a:fillRef>
+          <a:effectRef idx="0">
+            <a:schemeClr val="accent1"/>
+          </a:effectRef>
+          <a:fontRef idx="minor">
+            <a:schemeClr val="tx1"/>
+          </a:fontRef>
+        </p:style>
+      </p:cxnSp>
+      <p:cxnSp>
+        <p:nvCxnSpPr>
+          <p:cNvPr id="12" name="Straight Arrow Connector 11">
+            <a:extLst>
+              <a:ext uri="{FF2B5EF4-FFF2-40B4-BE49-F238E27FC236}">
+                <a16:creationId xmlns:a16="http://schemas.microsoft.com/office/drawing/2014/main" id="{CB5966B4-D118-42E2-B719-9AD9BCED3694}"/>
+              </a:ext>
+            </a:extLst>
+          </p:cNvPr>
+          <p:cNvCxnSpPr>
+            <a:cxnSpLocks/>
+          </p:cNvCxnSpPr>
+          <p:nvPr/>
+        </p:nvCxnSpPr>
+        <p:spPr>
+          <a:xfrm>
+            <a:off x="4062752" y="3392649"/>
+            <a:ext cx="1097354" cy="0"/>
+          </a:xfrm>
+          <a:prstGeom prst="straightConnector1">
+            <a:avLst/>
+          </a:prstGeom>
+          <a:ln w="31750">
+            <a:tailEnd type="triangle"/>
+          </a:ln>
+        </p:spPr>
+        <p:style>
+          <a:lnRef idx="1">
+            <a:schemeClr val="accent1"/>
+          </a:lnRef>
+          <a:fillRef idx="0">
+            <a:schemeClr val="accent1"/>
+          </a:fillRef>
+          <a:effectRef idx="0">
+            <a:schemeClr val="accent1"/>
+          </a:effectRef>
+          <a:fontRef idx="minor">
+            <a:schemeClr val="tx1"/>
+          </a:fontRef>
+        </p:style>
+      </p:cxnSp>
+      <p:sp>
+        <p:nvSpPr>
+          <p:cNvPr id="13" name="Rectangle: Folded Corner 12">
+            <a:extLst>
+              <a:ext uri="{FF2B5EF4-FFF2-40B4-BE49-F238E27FC236}">
+                <a16:creationId xmlns:a16="http://schemas.microsoft.com/office/drawing/2014/main" id="{15C2C6E4-1568-42EA-8412-301F50220CDE}"/>
+              </a:ext>
+            </a:extLst>
+          </p:cNvPr>
+          <p:cNvSpPr/>
+          <p:nvPr/>
+        </p:nvSpPr>
+        <p:spPr>
+          <a:xfrm>
+            <a:off x="2931222" y="4074768"/>
+            <a:ext cx="1205172" cy="549111"/>
+          </a:xfrm>
+          <a:prstGeom prst="foldedCorner">
+            <a:avLst/>
+          </a:prstGeom>
+          <a:solidFill>
+            <a:schemeClr val="bg1"/>
+          </a:solidFill>
+        </p:spPr>
+        <p:style>
+          <a:lnRef idx="2">
+            <a:schemeClr val="accent1">
+              <a:shade val="50000"/>
+            </a:schemeClr>
+          </a:lnRef>
+          <a:fillRef idx="1">
+            <a:schemeClr val="accent1"/>
+          </a:fillRef>
+          <a:effectRef idx="0">
+            <a:schemeClr val="accent1"/>
+          </a:effectRef>
+          <a:fontRef idx="minor">
+            <a:schemeClr val="lt1"/>
+          </a:fontRef>
+        </p:style>
+        <p:txBody>
+          <a:bodyPr rtlCol="0" anchor="ctr"/>
+          <a:lstStyle/>
+          <a:p>
+            <a:pPr marL="171450" indent="-171450">
+              <a:buFont typeface="Arial" panose="020B0604020202020204" pitchFamily="34" charset="0"/>
+              <a:buChar char="•"/>
+            </a:pPr>
+            <a:r>
+              <a:rPr lang="en-CA" sz="1100" dirty="0">
+                <a:solidFill>
+                  <a:schemeClr val="tx1"/>
+                </a:solidFill>
+                <a:latin typeface="Open Sans" panose="020B0606030504020204" pitchFamily="34" charset="0"/>
+                <a:ea typeface="Open Sans" panose="020B0606030504020204" pitchFamily="34" charset="0"/>
+                <a:cs typeface="Open Sans" panose="020B0606030504020204" pitchFamily="34" charset="0"/>
+              </a:rPr>
+              <a:t>Topic</a:t>
+            </a:r>
+          </a:p>
+          <a:p>
+            <a:pPr marL="171450" indent="-171450">
+              <a:buFont typeface="Arial" panose="020B0604020202020204" pitchFamily="34" charset="0"/>
+              <a:buChar char="•"/>
+            </a:pPr>
+            <a:r>
+              <a:rPr lang="en-CA" sz="1100" dirty="0">
+                <a:solidFill>
+                  <a:schemeClr val="tx1"/>
+                </a:solidFill>
+                <a:latin typeface="Open Sans" panose="020B0606030504020204" pitchFamily="34" charset="0"/>
+                <a:ea typeface="Open Sans" panose="020B0606030504020204" pitchFamily="34" charset="0"/>
+                <a:cs typeface="Open Sans" panose="020B0606030504020204" pitchFamily="34" charset="0"/>
+              </a:rPr>
+              <a:t>Subscription</a:t>
+            </a:r>
+          </a:p>
+        </p:txBody>
+      </p:sp>
+      <p:sp>
+        <p:nvSpPr>
+          <p:cNvPr id="14" name="Rectangle: Folded Corner 13">
+            <a:extLst>
+              <a:ext uri="{FF2B5EF4-FFF2-40B4-BE49-F238E27FC236}">
+                <a16:creationId xmlns:a16="http://schemas.microsoft.com/office/drawing/2014/main" id="{137C836E-0119-46A1-8074-670DAB42D79C}"/>
+              </a:ext>
+            </a:extLst>
+          </p:cNvPr>
+          <p:cNvSpPr/>
+          <p:nvPr/>
+        </p:nvSpPr>
+        <p:spPr>
+          <a:xfrm>
+            <a:off x="5188590" y="4037441"/>
+            <a:ext cx="1339800" cy="549110"/>
+          </a:xfrm>
+          <a:prstGeom prst="foldedCorner">
+            <a:avLst/>
+          </a:prstGeom>
+          <a:solidFill>
+            <a:schemeClr val="bg1"/>
+          </a:solidFill>
+        </p:spPr>
+        <p:style>
+          <a:lnRef idx="2">
+            <a:schemeClr val="accent1">
+              <a:shade val="50000"/>
+            </a:schemeClr>
+          </a:lnRef>
+          <a:fillRef idx="1">
+            <a:schemeClr val="accent1"/>
+          </a:fillRef>
+          <a:effectRef idx="0">
+            <a:schemeClr val="accent1"/>
+          </a:effectRef>
+          <a:fontRef idx="minor">
+            <a:schemeClr val="lt1"/>
+          </a:fontRef>
+        </p:style>
+        <p:txBody>
+          <a:bodyPr rtlCol="0" anchor="ctr"/>
+          <a:lstStyle/>
+          <a:p>
+            <a:pPr marL="171450" indent="-171450">
+              <a:buFont typeface="Arial" panose="020B0604020202020204" pitchFamily="34" charset="0"/>
+              <a:buChar char="•"/>
+            </a:pPr>
+            <a:r>
+              <a:rPr lang="en-CA" sz="1100" dirty="0">
+                <a:solidFill>
+                  <a:schemeClr val="tx1"/>
+                </a:solidFill>
+                <a:latin typeface="Open Sans" panose="020B0606030504020204" pitchFamily="34" charset="0"/>
+                <a:ea typeface="Open Sans" panose="020B0606030504020204" pitchFamily="34" charset="0"/>
+                <a:cs typeface="Open Sans" panose="020B0606030504020204" pitchFamily="34" charset="0"/>
+              </a:rPr>
+              <a:t>Connector logic</a:t>
+            </a:r>
+          </a:p>
+        </p:txBody>
+      </p:sp>
+      <p:sp>
+        <p:nvSpPr>
+          <p:cNvPr id="21" name="TextBox 20">
+            <a:extLst>
+              <a:ext uri="{FF2B5EF4-FFF2-40B4-BE49-F238E27FC236}">
+                <a16:creationId xmlns:a16="http://schemas.microsoft.com/office/drawing/2014/main" id="{F61F2F53-21CA-4148-BA35-BDA434C8BDA1}"/>
+              </a:ext>
+            </a:extLst>
+          </p:cNvPr>
+          <p:cNvSpPr txBox="1"/>
+          <p:nvPr/>
+        </p:nvSpPr>
+        <p:spPr>
+          <a:xfrm>
+            <a:off x="1499226" y="3036790"/>
+            <a:ext cx="901809" cy="553998"/>
+          </a:xfrm>
+          <a:prstGeom prst="rect">
+            <a:avLst/>
+          </a:prstGeom>
+          <a:noFill/>
+        </p:spPr>
+        <p:txBody>
+          <a:bodyPr wrap="square" rtlCol="0">
+            <a:spAutoFit/>
+          </a:bodyPr>
+          <a:lstStyle/>
+          <a:p>
+            <a:pPr algn="ctr"/>
+            <a:r>
+              <a:rPr lang="en-CA" sz="1400" dirty="0">
+                <a:latin typeface="Open Sans" panose="020B0606030504020204" pitchFamily="34" charset="0"/>
+                <a:ea typeface="Open Sans" panose="020B0606030504020204" pitchFamily="34" charset="0"/>
+                <a:cs typeface="Open Sans" panose="020B0606030504020204" pitchFamily="34" charset="0"/>
+              </a:rPr>
+              <a:t>Publish</a:t>
+            </a:r>
+          </a:p>
+          <a:p>
+            <a:pPr algn="ctr"/>
+            <a:endParaRPr lang="en-CA" sz="1600" dirty="0">
+              <a:latin typeface="Open Sans" panose="020B0606030504020204" pitchFamily="34" charset="0"/>
+              <a:ea typeface="Open Sans" panose="020B0606030504020204" pitchFamily="34" charset="0"/>
+              <a:cs typeface="Open Sans" panose="020B0606030504020204" pitchFamily="34" charset="0"/>
+            </a:endParaRPr>
+          </a:p>
+        </p:txBody>
+      </p:sp>
+      <p:cxnSp>
+        <p:nvCxnSpPr>
+          <p:cNvPr id="22" name="Straight Arrow Connector 21">
+            <a:extLst>
+              <a:ext uri="{FF2B5EF4-FFF2-40B4-BE49-F238E27FC236}">
+                <a16:creationId xmlns:a16="http://schemas.microsoft.com/office/drawing/2014/main" id="{0E1FD423-807D-473D-972E-FE499334ACAA}"/>
+              </a:ext>
+            </a:extLst>
+          </p:cNvPr>
+          <p:cNvCxnSpPr>
+            <a:cxnSpLocks/>
+          </p:cNvCxnSpPr>
+          <p:nvPr/>
+        </p:nvCxnSpPr>
+        <p:spPr>
+          <a:xfrm flipH="1">
+            <a:off x="4062752" y="3511665"/>
+            <a:ext cx="1087987" cy="0"/>
+          </a:xfrm>
+          <a:prstGeom prst="straightConnector1">
+            <a:avLst/>
+          </a:prstGeom>
+          <a:ln w="31750">
+            <a:tailEnd type="triangle"/>
+          </a:ln>
+        </p:spPr>
+        <p:style>
+          <a:lnRef idx="1">
+            <a:schemeClr val="accent1"/>
+          </a:lnRef>
+          <a:fillRef idx="0">
+            <a:schemeClr val="accent1"/>
+          </a:fillRef>
+          <a:effectRef idx="0">
+            <a:schemeClr val="accent1"/>
+          </a:effectRef>
+          <a:fontRef idx="minor">
+            <a:schemeClr val="tx1"/>
+          </a:fontRef>
+        </p:style>
+      </p:cxnSp>
+      <p:cxnSp>
+        <p:nvCxnSpPr>
+          <p:cNvPr id="23" name="Straight Connector 22">
+            <a:extLst>
+              <a:ext uri="{FF2B5EF4-FFF2-40B4-BE49-F238E27FC236}">
+                <a16:creationId xmlns:a16="http://schemas.microsoft.com/office/drawing/2014/main" id="{742EA8F7-6BD8-42AE-85BD-9D1EE0A6BCC5}"/>
+              </a:ext>
+            </a:extLst>
+          </p:cNvPr>
+          <p:cNvCxnSpPr>
+            <a:cxnSpLocks/>
+          </p:cNvCxnSpPr>
+          <p:nvPr/>
+        </p:nvCxnSpPr>
+        <p:spPr>
+          <a:xfrm>
+            <a:off x="4606745" y="3162273"/>
+            <a:ext cx="0" cy="642513"/>
+          </a:xfrm>
+          <a:prstGeom prst="line">
+            <a:avLst/>
+          </a:prstGeom>
+          <a:ln w="28575"/>
+        </p:spPr>
+        <p:style>
+          <a:lnRef idx="1">
+            <a:schemeClr val="accent1"/>
+          </a:lnRef>
+          <a:fillRef idx="0">
+            <a:schemeClr val="accent1"/>
+          </a:fillRef>
+          <a:effectRef idx="0">
+            <a:schemeClr val="accent1"/>
+          </a:effectRef>
+          <a:fontRef idx="minor">
+            <a:schemeClr val="tx1"/>
+          </a:fontRef>
+        </p:style>
+      </p:cxnSp>
+      <p:sp>
+        <p:nvSpPr>
+          <p:cNvPr id="24" name="TextBox 23">
+            <a:extLst>
+              <a:ext uri="{FF2B5EF4-FFF2-40B4-BE49-F238E27FC236}">
+                <a16:creationId xmlns:a16="http://schemas.microsoft.com/office/drawing/2014/main" id="{4473F0D4-7392-4D04-8937-B56F5DD7A664}"/>
+              </a:ext>
+            </a:extLst>
+          </p:cNvPr>
+          <p:cNvSpPr txBox="1"/>
+          <p:nvPr/>
+        </p:nvSpPr>
+        <p:spPr>
+          <a:xfrm>
+            <a:off x="4268972" y="2863582"/>
+            <a:ext cx="591829" cy="307777"/>
+          </a:xfrm>
+          <a:prstGeom prst="rect">
+            <a:avLst/>
+          </a:prstGeom>
+          <a:noFill/>
+        </p:spPr>
+        <p:txBody>
+          <a:bodyPr wrap="none" rtlCol="0">
+            <a:spAutoFit/>
+          </a:bodyPr>
+          <a:lstStyle/>
+          <a:p>
+            <a:r>
+              <a:rPr lang="en-CA" sz="1400" dirty="0">
+                <a:latin typeface="Open Sans" panose="020B0606030504020204" pitchFamily="34" charset="0"/>
+                <a:ea typeface="Open Sans" panose="020B0606030504020204" pitchFamily="34" charset="0"/>
+                <a:cs typeface="Open Sans" panose="020B0606030504020204" pitchFamily="34" charset="0"/>
+              </a:rPr>
+              <a:t>REST</a:t>
+            </a:r>
+          </a:p>
+        </p:txBody>
+      </p:sp>
+      <p:sp>
+        <p:nvSpPr>
+          <p:cNvPr id="25" name="TextBox 24">
+            <a:extLst>
+              <a:ext uri="{FF2B5EF4-FFF2-40B4-BE49-F238E27FC236}">
+                <a16:creationId xmlns:a16="http://schemas.microsoft.com/office/drawing/2014/main" id="{26197526-C3DE-439D-8DA8-21BC07521A8B}"/>
+              </a:ext>
+            </a:extLst>
+          </p:cNvPr>
+          <p:cNvSpPr txBox="1"/>
+          <p:nvPr/>
+        </p:nvSpPr>
+        <p:spPr>
+          <a:xfrm>
+            <a:off x="5106328" y="2362380"/>
+            <a:ext cx="1196161" cy="307777"/>
+          </a:xfrm>
+          <a:prstGeom prst="rect">
+            <a:avLst/>
+          </a:prstGeom>
+          <a:noFill/>
+        </p:spPr>
+        <p:txBody>
+          <a:bodyPr wrap="none" rtlCol="0">
+            <a:spAutoFit/>
+          </a:bodyPr>
+          <a:lstStyle/>
+          <a:p>
+            <a:r>
+              <a:rPr lang="en-CA" sz="1400" dirty="0">
+                <a:latin typeface="Open Sans" panose="020B0606030504020204" pitchFamily="34" charset="0"/>
+                <a:ea typeface="Open Sans" panose="020B0606030504020204" pitchFamily="34" charset="0"/>
+                <a:cs typeface="Open Sans" panose="020B0606030504020204" pitchFamily="34" charset="0"/>
+              </a:rPr>
+              <a:t>Inject secret</a:t>
+            </a:r>
+          </a:p>
+        </p:txBody>
+      </p:sp>
+      <p:cxnSp>
+        <p:nvCxnSpPr>
+          <p:cNvPr id="27" name="Straight Arrow Connector 26">
+            <a:extLst>
+              <a:ext uri="{FF2B5EF4-FFF2-40B4-BE49-F238E27FC236}">
+                <a16:creationId xmlns:a16="http://schemas.microsoft.com/office/drawing/2014/main" id="{86482DA5-3A03-48CC-811D-DE9D39C0C2B4}"/>
+              </a:ext>
+            </a:extLst>
+          </p:cNvPr>
+          <p:cNvCxnSpPr>
+            <a:cxnSpLocks/>
+          </p:cNvCxnSpPr>
+          <p:nvPr/>
+        </p:nvCxnSpPr>
+        <p:spPr>
+          <a:xfrm flipV="1">
+            <a:off x="703939" y="3344030"/>
+            <a:ext cx="2291363" cy="14677"/>
+          </a:xfrm>
+          <a:prstGeom prst="straightConnector1">
+            <a:avLst/>
+          </a:prstGeom>
+          <a:ln w="31750">
+            <a:solidFill>
+              <a:schemeClr val="tx1"/>
+            </a:solidFill>
+            <a:tailEnd type="triangle"/>
+          </a:ln>
+        </p:spPr>
+        <p:style>
+          <a:lnRef idx="1">
+            <a:schemeClr val="accent1"/>
+          </a:lnRef>
+          <a:fillRef idx="0">
+            <a:schemeClr val="accent1"/>
+          </a:fillRef>
+          <a:effectRef idx="0">
+            <a:schemeClr val="accent1"/>
+          </a:effectRef>
+          <a:fontRef idx="minor">
+            <a:schemeClr val="tx1"/>
+          </a:fontRef>
+        </p:style>
+      </p:cxnSp>
+      <p:pic>
+        <p:nvPicPr>
+          <p:cNvPr id="30" name="Picture 10" descr="PubSub+ Cloud Standard Accounts">
+            <a:extLst>
+              <a:ext uri="{FF2B5EF4-FFF2-40B4-BE49-F238E27FC236}">
+                <a16:creationId xmlns:a16="http://schemas.microsoft.com/office/drawing/2014/main" id="{760E3513-5907-4281-A8BE-8F38B2E05CBF}"/>
+              </a:ext>
+            </a:extLst>
+          </p:cNvPr>
+          <p:cNvPicPr>
+            <a:picLocks noChangeAspect="1" noChangeArrowheads="1"/>
+          </p:cNvPicPr>
+          <p:nvPr/>
+        </p:nvPicPr>
+        <p:blipFill>
+          <a:blip r:embed="rId6">
+            <a:alphaModFix/>
+            <a:extLst>
+              <a:ext uri="{28A0092B-C50C-407E-A947-70E740481C1C}">
+                <a14:useLocalDpi xmlns:a14="http://schemas.microsoft.com/office/drawing/2010/main" val="0"/>
+              </a:ext>
+            </a:extLst>
+          </a:blip>
+          <a:srcRect/>
+          <a:stretch>
+            <a:fillRect/>
+          </a:stretch>
+        </p:blipFill>
+        <p:spPr bwMode="auto">
+          <a:xfrm>
+            <a:off x="7726741" y="2408779"/>
+            <a:ext cx="2215100" cy="2215100"/>
+          </a:xfrm>
+          <a:prstGeom prst="rect">
+            <a:avLst/>
+          </a:prstGeom>
+          <a:noFill/>
+          <a:extLst>
+            <a:ext uri="{909E8E84-426E-40DD-AFC4-6F175D3DCCD1}">
+              <a14:hiddenFill xmlns:a14="http://schemas.microsoft.com/office/drawing/2010/main">
+                <a:solidFill>
+                  <a:srgbClr val="FFFFFF"/>
+                </a:solidFill>
+              </a14:hiddenFill>
+            </a:ext>
+          </a:extLst>
+        </p:spPr>
+      </p:pic>
+      <p:cxnSp>
+        <p:nvCxnSpPr>
+          <p:cNvPr id="31" name="Straight Arrow Connector 30">
+            <a:extLst>
+              <a:ext uri="{FF2B5EF4-FFF2-40B4-BE49-F238E27FC236}">
+                <a16:creationId xmlns:a16="http://schemas.microsoft.com/office/drawing/2014/main" id="{0DAF4C80-A89C-4F62-8116-551066869ED1}"/>
+              </a:ext>
+            </a:extLst>
+          </p:cNvPr>
+          <p:cNvCxnSpPr>
+            <a:cxnSpLocks/>
+          </p:cNvCxnSpPr>
+          <p:nvPr/>
+        </p:nvCxnSpPr>
+        <p:spPr>
+          <a:xfrm flipV="1">
+            <a:off x="6205188" y="3210465"/>
+            <a:ext cx="1969407" cy="25793"/>
+          </a:xfrm>
+          <a:prstGeom prst="straightConnector1">
+            <a:avLst/>
+          </a:prstGeom>
+          <a:ln w="31750">
+            <a:solidFill>
+              <a:schemeClr val="tx1"/>
+            </a:solidFill>
+            <a:tailEnd type="triangle"/>
+          </a:ln>
+        </p:spPr>
+        <p:style>
+          <a:lnRef idx="1">
+            <a:schemeClr val="accent1"/>
+          </a:lnRef>
+          <a:fillRef idx="0">
+            <a:schemeClr val="accent1"/>
+          </a:fillRef>
+          <a:effectRef idx="0">
+            <a:schemeClr val="accent1"/>
+          </a:effectRef>
+          <a:fontRef idx="minor">
+            <a:schemeClr val="tx1"/>
+          </a:fontRef>
+        </p:style>
+      </p:cxnSp>
+      <p:cxnSp>
+        <p:nvCxnSpPr>
+          <p:cNvPr id="32" name="Straight Connector 31">
+            <a:extLst>
+              <a:ext uri="{FF2B5EF4-FFF2-40B4-BE49-F238E27FC236}">
+                <a16:creationId xmlns:a16="http://schemas.microsoft.com/office/drawing/2014/main" id="{33BD269F-2C1B-40D3-A01B-C0A0E583C0A2}"/>
+              </a:ext>
+            </a:extLst>
+          </p:cNvPr>
+          <p:cNvCxnSpPr>
+            <a:cxnSpLocks/>
+          </p:cNvCxnSpPr>
+          <p:nvPr/>
+        </p:nvCxnSpPr>
+        <p:spPr>
+          <a:xfrm>
+            <a:off x="7726741" y="2987865"/>
+            <a:ext cx="0" cy="825457"/>
+          </a:xfrm>
+          <a:prstGeom prst="line">
+            <a:avLst/>
+          </a:prstGeom>
+          <a:ln w="28575"/>
+        </p:spPr>
+        <p:style>
+          <a:lnRef idx="1">
+            <a:schemeClr val="accent1"/>
+          </a:lnRef>
+          <a:fillRef idx="0">
+            <a:schemeClr val="accent1"/>
+          </a:fillRef>
+          <a:effectRef idx="0">
+            <a:schemeClr val="accent1"/>
+          </a:effectRef>
+          <a:fontRef idx="minor">
+            <a:schemeClr val="tx1"/>
+          </a:fontRef>
+        </p:style>
+      </p:cxnSp>
+      <p:sp>
+        <p:nvSpPr>
+          <p:cNvPr id="33" name="TextBox 32">
+            <a:extLst>
+              <a:ext uri="{FF2B5EF4-FFF2-40B4-BE49-F238E27FC236}">
+                <a16:creationId xmlns:a16="http://schemas.microsoft.com/office/drawing/2014/main" id="{4471C2CA-1F24-4E4E-B838-A394D87C9B0A}"/>
+              </a:ext>
+            </a:extLst>
+          </p:cNvPr>
+          <p:cNvSpPr txBox="1"/>
+          <p:nvPr/>
+        </p:nvSpPr>
+        <p:spPr>
+          <a:xfrm>
+            <a:off x="7371243" y="2228287"/>
+            <a:ext cx="1011815" cy="738664"/>
+          </a:xfrm>
+          <a:prstGeom prst="rect">
+            <a:avLst/>
+          </a:prstGeom>
+          <a:noFill/>
+        </p:spPr>
+        <p:txBody>
+          <a:bodyPr wrap="square" rtlCol="0">
+            <a:spAutoFit/>
+          </a:bodyPr>
+          <a:lstStyle/>
+          <a:p>
+            <a:r>
+              <a:rPr lang="en-CA" sz="1400" dirty="0">
+                <a:latin typeface="Open Sans" panose="020B0606030504020204" pitchFamily="34" charset="0"/>
+                <a:ea typeface="Open Sans" panose="020B0606030504020204" pitchFamily="34" charset="0"/>
+                <a:cs typeface="Open Sans" panose="020B0606030504020204" pitchFamily="34" charset="0"/>
+              </a:rPr>
+              <a:t>Solace PubSub+</a:t>
+            </a:r>
+          </a:p>
+          <a:p>
+            <a:r>
+              <a:rPr lang="en-CA" sz="1400" dirty="0">
+                <a:latin typeface="Open Sans" panose="020B0606030504020204" pitchFamily="34" charset="0"/>
+                <a:ea typeface="Open Sans" panose="020B0606030504020204" pitchFamily="34" charset="0"/>
+                <a:cs typeface="Open Sans" panose="020B0606030504020204" pitchFamily="34" charset="0"/>
+              </a:rPr>
+              <a:t>REST API</a:t>
+            </a:r>
+          </a:p>
+        </p:txBody>
+      </p:sp>
+      <p:sp>
+        <p:nvSpPr>
+          <p:cNvPr id="34" name="Rectangle: Folded Corner 33">
+            <a:extLst>
+              <a:ext uri="{FF2B5EF4-FFF2-40B4-BE49-F238E27FC236}">
+                <a16:creationId xmlns:a16="http://schemas.microsoft.com/office/drawing/2014/main" id="{1CD03075-6642-424F-AAF7-172701B81E0B}"/>
+              </a:ext>
+            </a:extLst>
+          </p:cNvPr>
+          <p:cNvSpPr/>
+          <p:nvPr/>
+        </p:nvSpPr>
+        <p:spPr>
+          <a:xfrm>
+            <a:off x="7842883" y="4148469"/>
+            <a:ext cx="2215100" cy="738664"/>
+          </a:xfrm>
+          <a:prstGeom prst="foldedCorner">
+            <a:avLst/>
+          </a:prstGeom>
+          <a:solidFill>
+            <a:schemeClr val="bg1"/>
+          </a:solidFill>
+        </p:spPr>
+        <p:style>
+          <a:lnRef idx="2">
+            <a:schemeClr val="accent1">
+              <a:shade val="50000"/>
+            </a:schemeClr>
+          </a:lnRef>
+          <a:fillRef idx="1">
+            <a:schemeClr val="accent1"/>
+          </a:fillRef>
+          <a:effectRef idx="0">
+            <a:schemeClr val="accent1"/>
+          </a:effectRef>
+          <a:fontRef idx="minor">
+            <a:schemeClr val="lt1"/>
+          </a:fontRef>
+        </p:style>
+        <p:txBody>
+          <a:bodyPr rtlCol="0" anchor="ctr"/>
+          <a:lstStyle/>
+          <a:p>
+            <a:pPr marL="171450" indent="-171450">
+              <a:buFont typeface="Arial" panose="020B0604020202020204" pitchFamily="34" charset="0"/>
+              <a:buChar char="•"/>
+            </a:pPr>
+            <a:r>
+              <a:rPr lang="en-CA" sz="1100" dirty="0">
+                <a:solidFill>
+                  <a:schemeClr val="tx1"/>
+                </a:solidFill>
+                <a:latin typeface="Open Sans" panose="020B0606030504020204" pitchFamily="34" charset="0"/>
+                <a:ea typeface="Open Sans" panose="020B0606030504020204" pitchFamily="34" charset="0"/>
+                <a:cs typeface="Open Sans" panose="020B0606030504020204" pitchFamily="34" charset="0"/>
+              </a:rPr>
+              <a:t>REST Messaging service</a:t>
+            </a:r>
+          </a:p>
+          <a:p>
+            <a:pPr marL="171450" indent="-171450">
+              <a:buFont typeface="Arial" panose="020B0604020202020204" pitchFamily="34" charset="0"/>
+              <a:buChar char="•"/>
+            </a:pPr>
+            <a:r>
+              <a:rPr lang="en-CA" sz="1100" dirty="0">
+                <a:solidFill>
+                  <a:schemeClr val="tx1"/>
+                </a:solidFill>
+                <a:latin typeface="Open Sans" panose="020B0606030504020204" pitchFamily="34" charset="0"/>
+                <a:ea typeface="Open Sans" panose="020B0606030504020204" pitchFamily="34" charset="0"/>
+                <a:cs typeface="Open Sans" panose="020B0606030504020204" pitchFamily="34" charset="0"/>
+              </a:rPr>
+              <a:t>REST Client Authentication method</a:t>
+            </a:r>
+          </a:p>
+        </p:txBody>
+      </p:sp>
+      <p:cxnSp>
+        <p:nvCxnSpPr>
+          <p:cNvPr id="41" name="Straight Arrow Connector 40">
+            <a:extLst>
+              <a:ext uri="{FF2B5EF4-FFF2-40B4-BE49-F238E27FC236}">
+                <a16:creationId xmlns:a16="http://schemas.microsoft.com/office/drawing/2014/main" id="{C25EC3DB-0A00-478A-9CBC-D10370EA1F7C}"/>
+              </a:ext>
+            </a:extLst>
+          </p:cNvPr>
+          <p:cNvCxnSpPr>
+            <a:cxnSpLocks/>
+          </p:cNvCxnSpPr>
+          <p:nvPr/>
+        </p:nvCxnSpPr>
+        <p:spPr>
+          <a:xfrm>
+            <a:off x="9688945" y="3287183"/>
+            <a:ext cx="1011985" cy="0"/>
+          </a:xfrm>
+          <a:prstGeom prst="straightConnector1">
+            <a:avLst/>
+          </a:prstGeom>
+          <a:ln w="31750">
+            <a:solidFill>
+              <a:schemeClr val="tx1"/>
+            </a:solidFill>
+            <a:tailEnd type="triangle"/>
+          </a:ln>
+        </p:spPr>
+        <p:style>
+          <a:lnRef idx="1">
+            <a:schemeClr val="accent1"/>
+          </a:lnRef>
+          <a:fillRef idx="0">
+            <a:schemeClr val="accent1"/>
+          </a:fillRef>
+          <a:effectRef idx="0">
+            <a:schemeClr val="accent1"/>
+          </a:effectRef>
+          <a:fontRef idx="minor">
+            <a:schemeClr val="tx1"/>
+          </a:fontRef>
+        </p:style>
+      </p:cxnSp>
+      <p:sp>
+        <p:nvSpPr>
+          <p:cNvPr id="42" name="TextBox 41">
+            <a:extLst>
+              <a:ext uri="{FF2B5EF4-FFF2-40B4-BE49-F238E27FC236}">
+                <a16:creationId xmlns:a16="http://schemas.microsoft.com/office/drawing/2014/main" id="{EBA0E665-AD91-47EE-8267-29C4FA2FCD07}"/>
+              </a:ext>
+            </a:extLst>
+          </p:cNvPr>
+          <p:cNvSpPr txBox="1"/>
+          <p:nvPr/>
+        </p:nvSpPr>
+        <p:spPr>
+          <a:xfrm>
+            <a:off x="9565202" y="3296320"/>
+            <a:ext cx="1184153" cy="523220"/>
+          </a:xfrm>
+          <a:prstGeom prst="rect">
+            <a:avLst/>
+          </a:prstGeom>
+          <a:noFill/>
+        </p:spPr>
+        <p:txBody>
+          <a:bodyPr wrap="square" rtlCol="0">
+            <a:spAutoFit/>
+          </a:bodyPr>
+          <a:lstStyle/>
+          <a:p>
+            <a:pPr algn="ctr"/>
+            <a:r>
+              <a:rPr lang="en-CA" sz="1400" dirty="0">
+                <a:latin typeface="Open Sans" panose="020B0606030504020204" pitchFamily="34" charset="0"/>
+                <a:ea typeface="Open Sans" panose="020B0606030504020204" pitchFamily="34" charset="0"/>
+                <a:cs typeface="Open Sans" panose="020B0606030504020204" pitchFamily="34" charset="0"/>
+              </a:rPr>
+              <a:t>Solace</a:t>
+            </a:r>
+          </a:p>
+          <a:p>
+            <a:r>
+              <a:rPr lang="en-CA" sz="1400" dirty="0">
+                <a:latin typeface="Open Sans" panose="020B0606030504020204" pitchFamily="34" charset="0"/>
+                <a:ea typeface="Open Sans" panose="020B0606030504020204" pitchFamily="34" charset="0"/>
+                <a:cs typeface="Open Sans" panose="020B0606030504020204" pitchFamily="34" charset="0"/>
+              </a:rPr>
+              <a:t>  message</a:t>
+            </a:r>
+          </a:p>
+        </p:txBody>
+      </p:sp>
+      <p:cxnSp>
+        <p:nvCxnSpPr>
+          <p:cNvPr id="43" name="Straight Arrow Connector 42">
+            <a:extLst>
+              <a:ext uri="{FF2B5EF4-FFF2-40B4-BE49-F238E27FC236}">
+                <a16:creationId xmlns:a16="http://schemas.microsoft.com/office/drawing/2014/main" id="{A903E51D-8155-4B88-B423-09B926897967}"/>
+              </a:ext>
+            </a:extLst>
+          </p:cNvPr>
+          <p:cNvCxnSpPr>
+            <a:cxnSpLocks/>
+          </p:cNvCxnSpPr>
+          <p:nvPr/>
+        </p:nvCxnSpPr>
+        <p:spPr>
+          <a:xfrm flipH="1">
+            <a:off x="6205188" y="3344029"/>
+            <a:ext cx="1930894" cy="14678"/>
+          </a:xfrm>
+          <a:prstGeom prst="straightConnector1">
+            <a:avLst/>
+          </a:prstGeom>
+          <a:ln w="31750">
+            <a:solidFill>
+              <a:schemeClr val="tx1"/>
+            </a:solidFill>
+            <a:tailEnd type="triangle"/>
+          </a:ln>
+        </p:spPr>
+        <p:style>
+          <a:lnRef idx="1">
+            <a:schemeClr val="accent1"/>
+          </a:lnRef>
+          <a:fillRef idx="0">
+            <a:schemeClr val="accent1"/>
+          </a:fillRef>
+          <a:effectRef idx="0">
+            <a:schemeClr val="accent1"/>
+          </a:effectRef>
+          <a:fontRef idx="minor">
+            <a:schemeClr val="tx1"/>
+          </a:fontRef>
+        </p:style>
+      </p:cxnSp>
+      <p:sp>
+        <p:nvSpPr>
+          <p:cNvPr id="44" name="TextBox 43">
+            <a:extLst>
+              <a:ext uri="{FF2B5EF4-FFF2-40B4-BE49-F238E27FC236}">
+                <a16:creationId xmlns:a16="http://schemas.microsoft.com/office/drawing/2014/main" id="{4516C1FB-BC1C-4871-A875-F7EB02366FCB}"/>
+              </a:ext>
+            </a:extLst>
+          </p:cNvPr>
+          <p:cNvSpPr txBox="1"/>
+          <p:nvPr/>
+        </p:nvSpPr>
+        <p:spPr>
+          <a:xfrm>
+            <a:off x="6354443" y="2938302"/>
+            <a:ext cx="867545" cy="307777"/>
+          </a:xfrm>
+          <a:prstGeom prst="rect">
+            <a:avLst/>
+          </a:prstGeom>
+          <a:noFill/>
+        </p:spPr>
+        <p:txBody>
+          <a:bodyPr wrap="none" rtlCol="0">
+            <a:spAutoFit/>
+          </a:bodyPr>
+          <a:lstStyle/>
+          <a:p>
+            <a:r>
+              <a:rPr lang="en-CA" sz="1400" dirty="0">
+                <a:latin typeface="Open Sans" panose="020B0606030504020204" pitchFamily="34" charset="0"/>
+                <a:ea typeface="Open Sans" panose="020B0606030504020204" pitchFamily="34" charset="0"/>
+                <a:cs typeface="Open Sans" panose="020B0606030504020204" pitchFamily="34" charset="0"/>
+              </a:rPr>
+              <a:t>Request</a:t>
+            </a:r>
+          </a:p>
+        </p:txBody>
+      </p:sp>
+      <p:sp>
+        <p:nvSpPr>
+          <p:cNvPr id="45" name="TextBox 44">
+            <a:extLst>
+              <a:ext uri="{FF2B5EF4-FFF2-40B4-BE49-F238E27FC236}">
+                <a16:creationId xmlns:a16="http://schemas.microsoft.com/office/drawing/2014/main" id="{00C3E9CF-3FB1-4FD4-BF95-92185A2F9304}"/>
+              </a:ext>
+            </a:extLst>
+          </p:cNvPr>
+          <p:cNvSpPr txBox="1"/>
+          <p:nvPr/>
+        </p:nvSpPr>
+        <p:spPr>
+          <a:xfrm>
+            <a:off x="6342171" y="3368528"/>
+            <a:ext cx="997389" cy="307777"/>
+          </a:xfrm>
+          <a:prstGeom prst="rect">
+            <a:avLst/>
+          </a:prstGeom>
+          <a:noFill/>
+        </p:spPr>
+        <p:txBody>
+          <a:bodyPr wrap="none" rtlCol="0">
+            <a:spAutoFit/>
+          </a:bodyPr>
+          <a:lstStyle/>
+          <a:p>
+            <a:r>
+              <a:rPr lang="en-CA" sz="1400" dirty="0">
+                <a:latin typeface="Open Sans" panose="020B0606030504020204" pitchFamily="34" charset="0"/>
+                <a:ea typeface="Open Sans" panose="020B0606030504020204" pitchFamily="34" charset="0"/>
+                <a:cs typeface="Open Sans" panose="020B0606030504020204" pitchFamily="34" charset="0"/>
+              </a:rPr>
+              <a:t>Response</a:t>
+            </a:r>
+          </a:p>
+        </p:txBody>
+      </p:sp>
+      <p:sp>
+        <p:nvSpPr>
+          <p:cNvPr id="49" name="TextBox 48">
+            <a:extLst>
+              <a:ext uri="{FF2B5EF4-FFF2-40B4-BE49-F238E27FC236}">
+                <a16:creationId xmlns:a16="http://schemas.microsoft.com/office/drawing/2014/main" id="{F20EB2B9-7019-4066-8508-DF29A68709C6}"/>
+              </a:ext>
+            </a:extLst>
+          </p:cNvPr>
+          <p:cNvSpPr txBox="1"/>
+          <p:nvPr/>
+        </p:nvSpPr>
+        <p:spPr>
+          <a:xfrm>
+            <a:off x="1531286" y="3373741"/>
+            <a:ext cx="920445" cy="523220"/>
+          </a:xfrm>
+          <a:prstGeom prst="rect">
+            <a:avLst/>
+          </a:prstGeom>
+          <a:noFill/>
+        </p:spPr>
+        <p:txBody>
+          <a:bodyPr wrap="none" rtlCol="0">
+            <a:spAutoFit/>
+          </a:bodyPr>
+          <a:lstStyle/>
+          <a:p>
+            <a:pPr algn="ctr"/>
+            <a:r>
+              <a:rPr lang="en-CA" sz="1400" dirty="0">
+                <a:latin typeface="Open Sans" panose="020B0606030504020204" pitchFamily="34" charset="0"/>
+                <a:ea typeface="Open Sans" panose="020B0606030504020204" pitchFamily="34" charset="0"/>
+                <a:cs typeface="Open Sans" panose="020B0606030504020204" pitchFamily="34" charset="0"/>
+              </a:rPr>
+              <a:t>Pub/Sub</a:t>
+            </a:r>
+            <a:br>
+              <a:rPr lang="en-CA" sz="1400" dirty="0">
+                <a:latin typeface="Open Sans" panose="020B0606030504020204" pitchFamily="34" charset="0"/>
+                <a:ea typeface="Open Sans" panose="020B0606030504020204" pitchFamily="34" charset="0"/>
+                <a:cs typeface="Open Sans" panose="020B0606030504020204" pitchFamily="34" charset="0"/>
+              </a:rPr>
+            </a:br>
+            <a:r>
+              <a:rPr lang="en-CA" sz="1400" dirty="0">
+                <a:latin typeface="Open Sans" panose="020B0606030504020204" pitchFamily="34" charset="0"/>
+                <a:ea typeface="Open Sans" panose="020B0606030504020204" pitchFamily="34" charset="0"/>
+                <a:cs typeface="Open Sans" panose="020B0606030504020204" pitchFamily="34" charset="0"/>
+              </a:rPr>
+              <a:t>message</a:t>
+            </a:r>
+          </a:p>
+        </p:txBody>
+      </p:sp>
+      <p:sp>
+        <p:nvSpPr>
+          <p:cNvPr id="50" name="TextBox 49">
+            <a:extLst>
+              <a:ext uri="{FF2B5EF4-FFF2-40B4-BE49-F238E27FC236}">
+                <a16:creationId xmlns:a16="http://schemas.microsoft.com/office/drawing/2014/main" id="{A18D08CD-5973-42B8-B312-D46CC585C1A4}"/>
+              </a:ext>
+            </a:extLst>
+          </p:cNvPr>
+          <p:cNvSpPr txBox="1"/>
+          <p:nvPr/>
+        </p:nvSpPr>
+        <p:spPr>
+          <a:xfrm>
+            <a:off x="9602860" y="2972713"/>
+            <a:ext cx="1184153" cy="307777"/>
+          </a:xfrm>
+          <a:prstGeom prst="rect">
+            <a:avLst/>
+          </a:prstGeom>
+          <a:noFill/>
+        </p:spPr>
+        <p:txBody>
+          <a:bodyPr wrap="square" rtlCol="0">
+            <a:spAutoFit/>
+          </a:bodyPr>
+          <a:lstStyle/>
+          <a:p>
+            <a:pPr algn="ctr"/>
+            <a:r>
+              <a:rPr lang="en-CA" sz="1400" dirty="0">
+                <a:latin typeface="Open Sans" panose="020B0606030504020204" pitchFamily="34" charset="0"/>
+                <a:ea typeface="Open Sans" panose="020B0606030504020204" pitchFamily="34" charset="0"/>
+                <a:cs typeface="Open Sans" panose="020B0606030504020204" pitchFamily="34" charset="0"/>
+              </a:rPr>
+              <a:t>Consume</a:t>
+            </a:r>
+          </a:p>
+        </p:txBody>
+      </p:sp>
+      <p:pic>
+        <p:nvPicPr>
+          <p:cNvPr id="64" name="Graphic 63" descr="User with solid fill">
+            <a:extLst>
+              <a:ext uri="{FF2B5EF4-FFF2-40B4-BE49-F238E27FC236}">
+                <a16:creationId xmlns:a16="http://schemas.microsoft.com/office/drawing/2014/main" id="{4D03B98B-639A-4DF6-B30D-68B89348AC1A}"/>
+              </a:ext>
+            </a:extLst>
+          </p:cNvPr>
+          <p:cNvPicPr>
+            <a:picLocks noChangeAspect="1"/>
+          </p:cNvPicPr>
+          <p:nvPr/>
+        </p:nvPicPr>
+        <p:blipFill>
+          <a:blip r:embed="rId7">
+            <a:extLst>
+              <a:ext uri="{28A0092B-C50C-407E-A947-70E740481C1C}">
+                <a14:useLocalDpi xmlns:a14="http://schemas.microsoft.com/office/drawing/2010/main" val="0"/>
+              </a:ext>
+              <a:ext uri="{96DAC541-7B7A-43D3-8B79-37D633B846F1}">
+                <asvg:svgBlip xmlns:asvg="http://schemas.microsoft.com/office/drawing/2016/SVG/main" r:embed="rId8"/>
+              </a:ext>
+            </a:extLst>
+          </a:blip>
+          <a:stretch>
+            <a:fillRect/>
+          </a:stretch>
+        </p:blipFill>
+        <p:spPr>
+          <a:xfrm>
+            <a:off x="10791708" y="2803915"/>
+            <a:ext cx="840826" cy="953149"/>
+          </a:xfrm>
+          <a:prstGeom prst="rect">
+            <a:avLst/>
+          </a:prstGeom>
+        </p:spPr>
+      </p:pic>
+      <p:sp>
+        <p:nvSpPr>
+          <p:cNvPr id="66" name="Rectangle: Folded Corner 65">
+            <a:extLst>
+              <a:ext uri="{FF2B5EF4-FFF2-40B4-BE49-F238E27FC236}">
+                <a16:creationId xmlns:a16="http://schemas.microsoft.com/office/drawing/2014/main" id="{209965FD-A28C-4C9B-84E8-E9394179DEE2}"/>
+              </a:ext>
+            </a:extLst>
+          </p:cNvPr>
+          <p:cNvSpPr/>
+          <p:nvPr/>
+        </p:nvSpPr>
+        <p:spPr>
+          <a:xfrm>
+            <a:off x="4237243" y="1190772"/>
+            <a:ext cx="2058548" cy="936613"/>
+          </a:xfrm>
+          <a:prstGeom prst="foldedCorner">
+            <a:avLst/>
+          </a:prstGeom>
+          <a:solidFill>
+            <a:schemeClr val="bg1"/>
+          </a:solidFill>
+        </p:spPr>
+        <p:style>
+          <a:lnRef idx="2">
+            <a:schemeClr val="accent1">
+              <a:shade val="50000"/>
+            </a:schemeClr>
+          </a:lnRef>
+          <a:fillRef idx="1">
+            <a:schemeClr val="accent1"/>
+          </a:fillRef>
+          <a:effectRef idx="0">
+            <a:schemeClr val="accent1"/>
+          </a:effectRef>
+          <a:fontRef idx="minor">
+            <a:schemeClr val="lt1"/>
+          </a:fontRef>
+        </p:style>
+        <p:txBody>
+          <a:bodyPr rtlCol="0" anchor="ctr"/>
+          <a:lstStyle/>
+          <a:p>
+            <a:pPr marL="171450" indent="-171450">
+              <a:buFont typeface="Arial" panose="020B0604020202020204" pitchFamily="34" charset="0"/>
+              <a:buChar char="•"/>
+            </a:pPr>
+            <a:r>
+              <a:rPr lang="en-CA" sz="1100" dirty="0">
+                <a:solidFill>
+                  <a:schemeClr val="tx1"/>
+                </a:solidFill>
+                <a:latin typeface="Open Sans" panose="020B0606030504020204" pitchFamily="34" charset="0"/>
+                <a:ea typeface="Open Sans" panose="020B0606030504020204" pitchFamily="34" charset="0"/>
+                <a:cs typeface="Open Sans" panose="020B0606030504020204" pitchFamily="34" charset="0"/>
+              </a:rPr>
+              <a:t>Solace PubSub+  REST Messaging service connection details as secret</a:t>
+            </a:r>
+          </a:p>
+        </p:txBody>
+      </p:sp>
+      <p:pic>
+        <p:nvPicPr>
+          <p:cNvPr id="70" name="Picture 69">
+            <a:extLst>
+              <a:ext uri="{FF2B5EF4-FFF2-40B4-BE49-F238E27FC236}">
+                <a16:creationId xmlns:a16="http://schemas.microsoft.com/office/drawing/2014/main" id="{D7A8AFBF-8DA0-4779-94DF-249A3B6419C7}"/>
+              </a:ext>
+            </a:extLst>
+          </p:cNvPr>
+          <p:cNvPicPr>
+            <a:picLocks noChangeAspect="1"/>
+          </p:cNvPicPr>
+          <p:nvPr/>
+        </p:nvPicPr>
+        <p:blipFill>
+          <a:blip r:embed="rId9"/>
+          <a:stretch>
+            <a:fillRect/>
+          </a:stretch>
+        </p:blipFill>
+        <p:spPr>
+          <a:xfrm>
+            <a:off x="3668851" y="4887133"/>
+            <a:ext cx="1534818" cy="507157"/>
+          </a:xfrm>
+          <a:prstGeom prst="rect">
+            <a:avLst/>
+          </a:prstGeom>
+        </p:spPr>
+      </p:pic>
+      <p:pic>
+        <p:nvPicPr>
+          <p:cNvPr id="71" name="Graphic 70" descr="User with solid fill">
+            <a:extLst>
+              <a:ext uri="{FF2B5EF4-FFF2-40B4-BE49-F238E27FC236}">
+                <a16:creationId xmlns:a16="http://schemas.microsoft.com/office/drawing/2014/main" id="{1932E168-84F0-4B6B-B576-D67975F2A266}"/>
+              </a:ext>
+            </a:extLst>
+          </p:cNvPr>
+          <p:cNvPicPr>
+            <a:picLocks noChangeAspect="1"/>
+          </p:cNvPicPr>
+          <p:nvPr/>
+        </p:nvPicPr>
+        <p:blipFill>
+          <a:blip r:embed="rId7">
+            <a:extLst>
+              <a:ext uri="{28A0092B-C50C-407E-A947-70E740481C1C}">
+                <a14:useLocalDpi xmlns:a14="http://schemas.microsoft.com/office/drawing/2010/main" val="0"/>
+              </a:ext>
+              <a:ext uri="{96DAC541-7B7A-43D3-8B79-37D633B846F1}">
+                <asvg:svgBlip xmlns:asvg="http://schemas.microsoft.com/office/drawing/2016/SVG/main" r:embed="rId8"/>
+              </a:ext>
+            </a:extLst>
+          </a:blip>
+          <a:stretch>
+            <a:fillRect/>
+          </a:stretch>
+        </p:blipFill>
+        <p:spPr>
+          <a:xfrm>
+            <a:off x="25839" y="2857025"/>
+            <a:ext cx="840826" cy="953149"/>
+          </a:xfrm>
+          <a:prstGeom prst="rect">
+            <a:avLst/>
+          </a:prstGeom>
+        </p:spPr>
+      </p:pic>
+    </p:spTree>
+    <p:extLst>
+      <p:ext uri="{BB962C8B-B14F-4D97-AF65-F5344CB8AC3E}">
+        <p14:creationId xmlns:p14="http://schemas.microsoft.com/office/powerpoint/2010/main" val="2062700515"/>
       </p:ext>
     </p:extLst>
   </p:cSld>
